--- a/2_Openai_agents/2_OpenAI_Agents_API.pptx
+++ b/2_Openai_agents/2_OpenAI_Agents_API.pptx
@@ -5,7 +5,7 @@
     <p:sldMasterId id="2147483648" r:id="rId1"/>
   </p:sldMasterIdLst>
   <p:notesMasterIdLst>
-    <p:notesMasterId r:id="rId28"/>
+    <p:notesMasterId r:id="rId27"/>
   </p:notesMasterIdLst>
   <p:sldIdLst>
     <p:sldId id="461" r:id="rId2"/>
@@ -31,9 +31,8 @@
     <p:sldId id="687" r:id="rId22"/>
     <p:sldId id="688" r:id="rId23"/>
     <p:sldId id="630" r:id="rId24"/>
-    <p:sldId id="704" r:id="rId25"/>
-    <p:sldId id="705" r:id="rId26"/>
-    <p:sldId id="706" r:id="rId27"/>
+    <p:sldId id="716" r:id="rId25"/>
+    <p:sldId id="704" r:id="rId26"/>
   </p:sldIdLst>
   <p:sldSz cx="12192000" cy="6858000"/>
   <p:notesSz cx="6858000" cy="9144000"/>
@@ -5059,12 +5058,8 @@
                         <a:defRPr/>
                       </a:pPr>
                       <a:r>
-                        <a:rPr lang="en-IN" sz="1200" dirty="0"/>
-                        <a:t>First run </a:t>
-                      </a:r>
-                      <a:r>
                         <a:rPr lang="en-US" sz="1200" dirty="0"/>
-                        <a:t>2_openai_agent_customer_embeddings_creation.py then 2_11_openai_agent_handoff.py</a:t>
+                        <a:t>2_11_openai_agent_handoff.py</a:t>
                       </a:r>
                       <a:endParaRPr lang="en-GB" sz="1200" dirty="0"/>
                     </a:p>
@@ -18852,68 +18847,22 @@
           <a:p>
             <a:r>
               <a:rPr lang="en-IN" dirty="0"/>
-              <a:t>Add this to an </a:t>
+              <a:t>Vectorize it and load it in short term and long term memory (both implemented in </a:t>
             </a:r>
             <a:r>
               <a:rPr lang="en-IN" dirty="0" err="1"/>
-              <a:t>Sqllite</a:t>
+              <a:t>ChromaDB</a:t>
             </a:r>
             <a:r>
               <a:rPr lang="en-IN" dirty="0"/>
-              <a:t> database</a:t>
+              <a:t>)</a:t>
             </a:r>
           </a:p>
           <a:p>
             <a:r>
               <a:rPr lang="en-IN" dirty="0"/>
-              <a:t>Simultaneously load the first 500 entries in a local memory LRU cache</a:t>
-            </a:r>
-          </a:p>
-          <a:p>
-            <a:r>
-              <a:rPr lang="en-IN" dirty="0"/>
-              <a:t>When the user sends question to the agent</a:t>
-            </a:r>
-          </a:p>
-          <a:p>
-            <a:pPr lvl="1"/>
-            <a:r>
-              <a:rPr lang="en-IN" dirty="0"/>
-              <a:t>First search in the local cache (Short Term Memory)</a:t>
-            </a:r>
-          </a:p>
-          <a:p>
-            <a:pPr lvl="1"/>
-            <a:r>
-              <a:rPr lang="en-IN" dirty="0"/>
-              <a:t>If not found, search in the </a:t>
-            </a:r>
-            <a:r>
-              <a:rPr lang="en-IN" dirty="0" err="1"/>
-              <a:t>Sqlite</a:t>
-            </a:r>
-            <a:r>
-              <a:rPr lang="en-IN" dirty="0"/>
-              <a:t> database (Long Term Memory)</a:t>
-            </a:r>
-          </a:p>
-          <a:p>
-            <a:pPr lvl="1"/>
-            <a:r>
-              <a:rPr lang="en-IN" dirty="0"/>
-              <a:t>If found, add the question and answer from Long Term Memory to Short Term Memory</a:t>
-            </a:r>
-          </a:p>
-          <a:p>
-            <a:pPr lvl="1"/>
-            <a:r>
-              <a:rPr lang="en-IN" dirty="0"/>
-              <a:t>If not found there also, return an apologetic message</a:t>
-            </a:r>
-            <a:endParaRPr lang="en-GB" dirty="0"/>
-          </a:p>
-          <a:p>
-            <a:endParaRPr lang="en-GB" dirty="0"/>
+              <a:t>Working: Next slide</a:t>
+            </a:r>
           </a:p>
         </p:txBody>
       </p:sp>
@@ -18931,6 +18880,2071 @@
 </file>
 
 <file path=ppt/slides/slide24.xml><?xml version="1.0" encoding="utf-8"?>
+<p:sld xmlns:a="http://schemas.openxmlformats.org/drawingml/2006/main" xmlns:r="http://schemas.openxmlformats.org/officeDocument/2006/relationships" xmlns:p="http://schemas.openxmlformats.org/presentationml/2006/main">
+  <p:cSld>
+    <p:spTree>
+      <p:nvGrpSpPr>
+        <p:cNvPr id="1" name="">
+          <a:extLst>
+            <a:ext uri="{FF2B5EF4-FFF2-40B4-BE49-F238E27FC236}">
+              <a16:creationId xmlns:a16="http://schemas.microsoft.com/office/drawing/2014/main" id="{C247D445-9FBC-285D-B02F-A1A89E585AFA}"/>
+            </a:ext>
+          </a:extLst>
+        </p:cNvPr>
+        <p:cNvGrpSpPr/>
+        <p:nvPr/>
+      </p:nvGrpSpPr>
+      <p:grpSpPr>
+        <a:xfrm>
+          <a:off x="0" y="0"/>
+          <a:ext cx="0" cy="0"/>
+          <a:chOff x="0" y="0"/>
+          <a:chExt cx="0" cy="0"/>
+        </a:xfrm>
+      </p:grpSpPr>
+      <p:graphicFrame>
+        <p:nvGraphicFramePr>
+          <p:cNvPr id="6" name="Content Placeholder 5">
+            <a:extLst>
+              <a:ext uri="{FF2B5EF4-FFF2-40B4-BE49-F238E27FC236}">
+                <a16:creationId xmlns:a16="http://schemas.microsoft.com/office/drawing/2014/main" id="{9282E535-98BB-9EFD-5529-2F8098F5EF18}"/>
+              </a:ext>
+            </a:extLst>
+          </p:cNvPr>
+          <p:cNvGraphicFramePr>
+            <a:graphicFrameLocks noGrp="1"/>
+          </p:cNvGraphicFramePr>
+          <p:nvPr>
+            <p:ph idx="1"/>
+          </p:nvPr>
+        </p:nvGraphicFramePr>
+        <p:xfrm>
+          <a:off x="244305" y="52667"/>
+          <a:ext cx="11698734" cy="6529020"/>
+        </p:xfrm>
+        <a:graphic>
+          <a:graphicData uri="http://schemas.openxmlformats.org/drawingml/2006/table">
+            <a:tbl>
+              <a:tblPr/>
+              <a:tblGrid>
+                <a:gridCol w="998162">
+                  <a:extLst>
+                    <a:ext uri="{9D8B030D-6E8A-4147-A177-3AD203B41FA5}">
+                      <a16:colId xmlns:a16="http://schemas.microsoft.com/office/drawing/2014/main" val="514827921"/>
+                    </a:ext>
+                  </a:extLst>
+                </a:gridCol>
+                <a:gridCol w="1864449">
+                  <a:extLst>
+                    <a:ext uri="{9D8B030D-6E8A-4147-A177-3AD203B41FA5}">
+                      <a16:colId xmlns:a16="http://schemas.microsoft.com/office/drawing/2014/main" val="2860616440"/>
+                    </a:ext>
+                  </a:extLst>
+                </a:gridCol>
+                <a:gridCol w="8836123">
+                  <a:extLst>
+                    <a:ext uri="{9D8B030D-6E8A-4147-A177-3AD203B41FA5}">
+                      <a16:colId xmlns:a16="http://schemas.microsoft.com/office/drawing/2014/main" val="2600752292"/>
+                    </a:ext>
+                  </a:extLst>
+                </a:gridCol>
+              </a:tblGrid>
+              <a:tr h="84084">
+                <a:tc>
+                  <a:txBody>
+                    <a:bodyPr/>
+                    <a:lstStyle/>
+                    <a:p>
+                      <a:pPr>
+                        <a:buNone/>
+                      </a:pPr>
+                      <a:r>
+                        <a:rPr lang="en-GB" sz="1600" b="1" dirty="0"/>
+                        <a:t>Aspect</a:t>
+                      </a:r>
+                      <a:endParaRPr lang="en-GB" sz="1600" dirty="0"/>
+                    </a:p>
+                  </a:txBody>
+                  <a:tcPr marL="21021" marR="21021" marT="10510" marB="10510" anchor="ctr">
+                    <a:lnL w="12700" cap="flat" cmpd="sng" algn="ctr">
+                      <a:solidFill>
+                        <a:schemeClr val="tx1"/>
+                      </a:solidFill>
+                      <a:prstDash val="solid"/>
+                      <a:round/>
+                      <a:headEnd type="none" w="med" len="med"/>
+                      <a:tailEnd type="none" w="med" len="med"/>
+                    </a:lnL>
+                    <a:lnR w="12700" cap="flat" cmpd="sng" algn="ctr">
+                      <a:solidFill>
+                        <a:schemeClr val="tx1"/>
+                      </a:solidFill>
+                      <a:prstDash val="solid"/>
+                      <a:round/>
+                      <a:headEnd type="none" w="med" len="med"/>
+                      <a:tailEnd type="none" w="med" len="med"/>
+                    </a:lnR>
+                    <a:lnT w="12700" cap="flat" cmpd="sng" algn="ctr">
+                      <a:solidFill>
+                        <a:schemeClr val="tx1"/>
+                      </a:solidFill>
+                      <a:prstDash val="solid"/>
+                      <a:round/>
+                      <a:headEnd type="none" w="med" len="med"/>
+                      <a:tailEnd type="none" w="med" len="med"/>
+                    </a:lnT>
+                    <a:lnB w="12700" cap="flat" cmpd="sng" algn="ctr">
+                      <a:solidFill>
+                        <a:schemeClr val="tx1"/>
+                      </a:solidFill>
+                      <a:prstDash val="solid"/>
+                      <a:round/>
+                      <a:headEnd type="none" w="med" len="med"/>
+                      <a:tailEnd type="none" w="med" len="med"/>
+                    </a:lnB>
+                    <a:lnTlToBr w="12700" cmpd="sng">
+                      <a:noFill/>
+                      <a:prstDash val="solid"/>
+                    </a:lnTlToBr>
+                    <a:lnBlToTr w="12700" cmpd="sng">
+                      <a:noFill/>
+                      <a:prstDash val="solid"/>
+                    </a:lnBlToTr>
+                    <a:solidFill>
+                      <a:schemeClr val="accent4">
+                        <a:lumMod val="20000"/>
+                        <a:lumOff val="80000"/>
+                      </a:schemeClr>
+                    </a:solidFill>
+                  </a:tcPr>
+                </a:tc>
+                <a:tc>
+                  <a:txBody>
+                    <a:bodyPr/>
+                    <a:lstStyle/>
+                    <a:p>
+                      <a:pPr>
+                        <a:buNone/>
+                      </a:pPr>
+                      <a:r>
+                        <a:rPr lang="en-GB" sz="1600" b="1"/>
+                        <a:t>Purpose</a:t>
+                      </a:r>
+                      <a:endParaRPr lang="en-GB" sz="1600"/>
+                    </a:p>
+                  </a:txBody>
+                  <a:tcPr marL="21021" marR="21021" marT="10510" marB="10510" anchor="ctr">
+                    <a:lnL w="12700" cap="flat" cmpd="sng" algn="ctr">
+                      <a:solidFill>
+                        <a:schemeClr val="tx1"/>
+                      </a:solidFill>
+                      <a:prstDash val="solid"/>
+                      <a:round/>
+                      <a:headEnd type="none" w="med" len="med"/>
+                      <a:tailEnd type="none" w="med" len="med"/>
+                    </a:lnL>
+                    <a:lnR w="12700" cap="flat" cmpd="sng" algn="ctr">
+                      <a:solidFill>
+                        <a:schemeClr val="tx1"/>
+                      </a:solidFill>
+                      <a:prstDash val="solid"/>
+                      <a:round/>
+                      <a:headEnd type="none" w="med" len="med"/>
+                      <a:tailEnd type="none" w="med" len="med"/>
+                    </a:lnR>
+                    <a:lnT w="12700" cap="flat" cmpd="sng" algn="ctr">
+                      <a:solidFill>
+                        <a:schemeClr val="tx1"/>
+                      </a:solidFill>
+                      <a:prstDash val="solid"/>
+                      <a:round/>
+                      <a:headEnd type="none" w="med" len="med"/>
+                      <a:tailEnd type="none" w="med" len="med"/>
+                    </a:lnT>
+                    <a:lnB w="12700" cap="flat" cmpd="sng" algn="ctr">
+                      <a:solidFill>
+                        <a:schemeClr val="tx1"/>
+                      </a:solidFill>
+                      <a:prstDash val="solid"/>
+                      <a:round/>
+                      <a:headEnd type="none" w="med" len="med"/>
+                      <a:tailEnd type="none" w="med" len="med"/>
+                    </a:lnB>
+                    <a:lnTlToBr w="12700" cmpd="sng">
+                      <a:noFill/>
+                      <a:prstDash val="solid"/>
+                    </a:lnTlToBr>
+                    <a:lnBlToTr w="12700" cmpd="sng">
+                      <a:noFill/>
+                      <a:prstDash val="solid"/>
+                    </a:lnBlToTr>
+                    <a:solidFill>
+                      <a:schemeClr val="accent4">
+                        <a:lumMod val="20000"/>
+                        <a:lumOff val="80000"/>
+                      </a:schemeClr>
+                    </a:solidFill>
+                  </a:tcPr>
+                </a:tc>
+                <a:tc>
+                  <a:txBody>
+                    <a:bodyPr/>
+                    <a:lstStyle/>
+                    <a:p>
+                      <a:pPr>
+                        <a:buNone/>
+                      </a:pPr>
+                      <a:r>
+                        <a:rPr lang="en-GB" sz="1600" b="1"/>
+                        <a:t>How It Works</a:t>
+                      </a:r>
+                      <a:endParaRPr lang="en-GB" sz="1600"/>
+                    </a:p>
+                  </a:txBody>
+                  <a:tcPr marL="21021" marR="21021" marT="10510" marB="10510" anchor="ctr">
+                    <a:lnL w="12700" cap="flat" cmpd="sng" algn="ctr">
+                      <a:solidFill>
+                        <a:schemeClr val="tx1"/>
+                      </a:solidFill>
+                      <a:prstDash val="solid"/>
+                      <a:round/>
+                      <a:headEnd type="none" w="med" len="med"/>
+                      <a:tailEnd type="none" w="med" len="med"/>
+                    </a:lnL>
+                    <a:lnR w="12700" cap="flat" cmpd="sng" algn="ctr">
+                      <a:solidFill>
+                        <a:schemeClr val="tx1"/>
+                      </a:solidFill>
+                      <a:prstDash val="solid"/>
+                      <a:round/>
+                      <a:headEnd type="none" w="med" len="med"/>
+                      <a:tailEnd type="none" w="med" len="med"/>
+                    </a:lnR>
+                    <a:lnT w="12700" cap="flat" cmpd="sng" algn="ctr">
+                      <a:solidFill>
+                        <a:schemeClr val="tx1"/>
+                      </a:solidFill>
+                      <a:prstDash val="solid"/>
+                      <a:round/>
+                      <a:headEnd type="none" w="med" len="med"/>
+                      <a:tailEnd type="none" w="med" len="med"/>
+                    </a:lnT>
+                    <a:lnB w="12700" cap="flat" cmpd="sng" algn="ctr">
+                      <a:solidFill>
+                        <a:schemeClr val="tx1"/>
+                      </a:solidFill>
+                      <a:prstDash val="solid"/>
+                      <a:round/>
+                      <a:headEnd type="none" w="med" len="med"/>
+                      <a:tailEnd type="none" w="med" len="med"/>
+                    </a:lnB>
+                    <a:lnTlToBr w="12700" cmpd="sng">
+                      <a:noFill/>
+                      <a:prstDash val="solid"/>
+                    </a:lnTlToBr>
+                    <a:lnBlToTr w="12700" cmpd="sng">
+                      <a:noFill/>
+                      <a:prstDash val="solid"/>
+                    </a:lnBlToTr>
+                    <a:solidFill>
+                      <a:schemeClr val="accent4">
+                        <a:lumMod val="20000"/>
+                        <a:lumOff val="80000"/>
+                      </a:schemeClr>
+                    </a:solidFill>
+                  </a:tcPr>
+                </a:tc>
+                <a:extLst>
+                  <a:ext uri="{0D108BD9-81ED-4DB2-BD59-A6C34878D82A}">
+                    <a16:rowId xmlns:a16="http://schemas.microsoft.com/office/drawing/2014/main" val="1544464331"/>
+                  </a:ext>
+                </a:extLst>
+              </a:tr>
+              <a:tr h="588587">
+                <a:tc>
+                  <a:txBody>
+                    <a:bodyPr/>
+                    <a:lstStyle/>
+                    <a:p>
+                      <a:pPr>
+                        <a:buNone/>
+                      </a:pPr>
+                      <a:r>
+                        <a:rPr lang="en-GB" sz="1600" b="1"/>
+                        <a:t>Setup</a:t>
+                      </a:r>
+                      <a:endParaRPr lang="en-GB" sz="1600"/>
+                    </a:p>
+                  </a:txBody>
+                  <a:tcPr marL="21021" marR="21021" marT="10510" marB="10510" anchor="ctr">
+                    <a:lnL w="12700" cap="flat" cmpd="sng" algn="ctr">
+                      <a:solidFill>
+                        <a:schemeClr val="tx1"/>
+                      </a:solidFill>
+                      <a:prstDash val="solid"/>
+                      <a:round/>
+                      <a:headEnd type="none" w="med" len="med"/>
+                      <a:tailEnd type="none" w="med" len="med"/>
+                    </a:lnL>
+                    <a:lnR w="12700" cap="flat" cmpd="sng" algn="ctr">
+                      <a:solidFill>
+                        <a:schemeClr val="tx1"/>
+                      </a:solidFill>
+                      <a:prstDash val="solid"/>
+                      <a:round/>
+                      <a:headEnd type="none" w="med" len="med"/>
+                      <a:tailEnd type="none" w="med" len="med"/>
+                    </a:lnR>
+                    <a:lnT w="12700" cap="flat" cmpd="sng" algn="ctr">
+                      <a:solidFill>
+                        <a:schemeClr val="tx1"/>
+                      </a:solidFill>
+                      <a:prstDash val="solid"/>
+                      <a:round/>
+                      <a:headEnd type="none" w="med" len="med"/>
+                      <a:tailEnd type="none" w="med" len="med"/>
+                    </a:lnT>
+                    <a:lnB w="12700" cap="flat" cmpd="sng" algn="ctr">
+                      <a:solidFill>
+                        <a:schemeClr val="tx1"/>
+                      </a:solidFill>
+                      <a:prstDash val="solid"/>
+                      <a:round/>
+                      <a:headEnd type="none" w="med" len="med"/>
+                      <a:tailEnd type="none" w="med" len="med"/>
+                    </a:lnB>
+                    <a:lnTlToBr w="12700" cmpd="sng">
+                      <a:noFill/>
+                      <a:prstDash val="solid"/>
+                    </a:lnTlToBr>
+                    <a:lnBlToTr w="12700" cmpd="sng">
+                      <a:noFill/>
+                      <a:prstDash val="solid"/>
+                    </a:lnBlToTr>
+                    <a:solidFill>
+                      <a:schemeClr val="accent4">
+                        <a:lumMod val="20000"/>
+                        <a:lumOff val="80000"/>
+                      </a:schemeClr>
+                    </a:solidFill>
+                  </a:tcPr>
+                </a:tc>
+                <a:tc>
+                  <a:txBody>
+                    <a:bodyPr/>
+                    <a:lstStyle/>
+                    <a:p>
+                      <a:pPr>
+                        <a:buNone/>
+                      </a:pPr>
+                      <a:r>
+                        <a:rPr lang="en-US" sz="1600"/>
+                        <a:t>Initialize AI and vector storage system</a:t>
+                      </a:r>
+                    </a:p>
+                  </a:txBody>
+                  <a:tcPr marL="21021" marR="21021" marT="10510" marB="10510" anchor="ctr">
+                    <a:lnL w="12700" cap="flat" cmpd="sng" algn="ctr">
+                      <a:solidFill>
+                        <a:schemeClr val="tx1"/>
+                      </a:solidFill>
+                      <a:prstDash val="solid"/>
+                      <a:round/>
+                      <a:headEnd type="none" w="med" len="med"/>
+                      <a:tailEnd type="none" w="med" len="med"/>
+                    </a:lnL>
+                    <a:lnR w="12700" cap="flat" cmpd="sng" algn="ctr">
+                      <a:solidFill>
+                        <a:schemeClr val="tx1"/>
+                      </a:solidFill>
+                      <a:prstDash val="solid"/>
+                      <a:round/>
+                      <a:headEnd type="none" w="med" len="med"/>
+                      <a:tailEnd type="none" w="med" len="med"/>
+                    </a:lnR>
+                    <a:lnT w="12700" cap="flat" cmpd="sng" algn="ctr">
+                      <a:solidFill>
+                        <a:schemeClr val="tx1"/>
+                      </a:solidFill>
+                      <a:prstDash val="solid"/>
+                      <a:round/>
+                      <a:headEnd type="none" w="med" len="med"/>
+                      <a:tailEnd type="none" w="med" len="med"/>
+                    </a:lnT>
+                    <a:lnB w="12700" cap="flat" cmpd="sng" algn="ctr">
+                      <a:solidFill>
+                        <a:schemeClr val="tx1"/>
+                      </a:solidFill>
+                      <a:prstDash val="solid"/>
+                      <a:round/>
+                      <a:headEnd type="none" w="med" len="med"/>
+                      <a:tailEnd type="none" w="med" len="med"/>
+                    </a:lnB>
+                    <a:lnTlToBr w="12700" cmpd="sng">
+                      <a:noFill/>
+                      <a:prstDash val="solid"/>
+                    </a:lnTlToBr>
+                    <a:lnBlToTr w="12700" cmpd="sng">
+                      <a:noFill/>
+                      <a:prstDash val="solid"/>
+                    </a:lnBlToTr>
+                    <a:solidFill>
+                      <a:schemeClr val="accent4">
+                        <a:lumMod val="20000"/>
+                        <a:lumOff val="80000"/>
+                      </a:schemeClr>
+                    </a:solidFill>
+                  </a:tcPr>
+                </a:tc>
+                <a:tc>
+                  <a:txBody>
+                    <a:bodyPr/>
+                    <a:lstStyle/>
+                    <a:p>
+                      <a:pPr>
+                        <a:buNone/>
+                      </a:pPr>
+                      <a:r>
+                        <a:rPr lang="en-GB" sz="1600"/>
+                        <a:t>- Loads OpenAI client using </a:t>
+                      </a:r>
+                      <a:r>
+                        <a:rPr lang="en-GB" sz="1600">
+                          <a:latin typeface="Courier New" panose="02070309020205020404" pitchFamily="49" charset="0"/>
+                        </a:rPr>
+                        <a:t>gpt-4o-mini</a:t>
+                      </a:r>
+                      <a:r>
+                        <a:rPr lang="en-GB" sz="1600"/>
+                        <a:t> model.- Initializes HuggingFace sentence-transformer (</a:t>
+                      </a:r>
+                      <a:r>
+                        <a:rPr lang="en-GB" sz="1600">
+                          <a:latin typeface="Courier New" panose="02070309020205020404" pitchFamily="49" charset="0"/>
+                        </a:rPr>
+                        <a:t>all-MiniLM-L6-v2</a:t>
+                      </a:r>
+                      <a:r>
+                        <a:rPr lang="en-GB" sz="1600"/>
+                        <a:t>) for embeddings.- Creates two persistent Chroma databases for memory (short-term and long-term).- Ensures directory structure for storing vector data on disk.</a:t>
+                      </a:r>
+                    </a:p>
+                  </a:txBody>
+                  <a:tcPr marL="21021" marR="21021" marT="10510" marB="10510" anchor="ctr">
+                    <a:lnL w="12700" cap="flat" cmpd="sng" algn="ctr">
+                      <a:solidFill>
+                        <a:schemeClr val="tx1"/>
+                      </a:solidFill>
+                      <a:prstDash val="solid"/>
+                      <a:round/>
+                      <a:headEnd type="none" w="med" len="med"/>
+                      <a:tailEnd type="none" w="med" len="med"/>
+                    </a:lnL>
+                    <a:lnR w="12700" cap="flat" cmpd="sng" algn="ctr">
+                      <a:solidFill>
+                        <a:schemeClr val="tx1"/>
+                      </a:solidFill>
+                      <a:prstDash val="solid"/>
+                      <a:round/>
+                      <a:headEnd type="none" w="med" len="med"/>
+                      <a:tailEnd type="none" w="med" len="med"/>
+                    </a:lnR>
+                    <a:lnT w="12700" cap="flat" cmpd="sng" algn="ctr">
+                      <a:solidFill>
+                        <a:schemeClr val="tx1"/>
+                      </a:solidFill>
+                      <a:prstDash val="solid"/>
+                      <a:round/>
+                      <a:headEnd type="none" w="med" len="med"/>
+                      <a:tailEnd type="none" w="med" len="med"/>
+                    </a:lnT>
+                    <a:lnB w="12700" cap="flat" cmpd="sng" algn="ctr">
+                      <a:solidFill>
+                        <a:schemeClr val="tx1"/>
+                      </a:solidFill>
+                      <a:prstDash val="solid"/>
+                      <a:round/>
+                      <a:headEnd type="none" w="med" len="med"/>
+                      <a:tailEnd type="none" w="med" len="med"/>
+                    </a:lnB>
+                    <a:lnTlToBr w="12700" cmpd="sng">
+                      <a:noFill/>
+                      <a:prstDash val="solid"/>
+                    </a:lnTlToBr>
+                    <a:lnBlToTr w="12700" cmpd="sng">
+                      <a:noFill/>
+                      <a:prstDash val="solid"/>
+                    </a:lnBlToTr>
+                    <a:solidFill>
+                      <a:schemeClr val="accent4">
+                        <a:lumMod val="20000"/>
+                        <a:lumOff val="80000"/>
+                      </a:schemeClr>
+                    </a:solidFill>
+                  </a:tcPr>
+                </a:tc>
+                <a:extLst>
+                  <a:ext uri="{0D108BD9-81ED-4DB2-BD59-A6C34878D82A}">
+                    <a16:rowId xmlns:a16="http://schemas.microsoft.com/office/drawing/2014/main" val="3577958359"/>
+                  </a:ext>
+                </a:extLst>
+              </a:tr>
+              <a:tr h="525524">
+                <a:tc>
+                  <a:txBody>
+                    <a:bodyPr/>
+                    <a:lstStyle/>
+                    <a:p>
+                      <a:pPr>
+                        <a:buNone/>
+                      </a:pPr>
+                      <a:r>
+                        <a:rPr lang="en-GB" sz="1600" b="1"/>
+                        <a:t>Short-Term Memory</a:t>
+                      </a:r>
+                      <a:endParaRPr lang="en-GB" sz="1600"/>
+                    </a:p>
+                  </a:txBody>
+                  <a:tcPr marL="21021" marR="21021" marT="10510" marB="10510" anchor="ctr">
+                    <a:lnL w="12700" cap="flat" cmpd="sng" algn="ctr">
+                      <a:solidFill>
+                        <a:schemeClr val="tx1"/>
+                      </a:solidFill>
+                      <a:prstDash val="solid"/>
+                      <a:round/>
+                      <a:headEnd type="none" w="med" len="med"/>
+                      <a:tailEnd type="none" w="med" len="med"/>
+                    </a:lnL>
+                    <a:lnR w="12700" cap="flat" cmpd="sng" algn="ctr">
+                      <a:solidFill>
+                        <a:schemeClr val="tx1"/>
+                      </a:solidFill>
+                      <a:prstDash val="solid"/>
+                      <a:round/>
+                      <a:headEnd type="none" w="med" len="med"/>
+                      <a:tailEnd type="none" w="med" len="med"/>
+                    </a:lnR>
+                    <a:lnT w="12700" cap="flat" cmpd="sng" algn="ctr">
+                      <a:solidFill>
+                        <a:schemeClr val="tx1"/>
+                      </a:solidFill>
+                      <a:prstDash val="solid"/>
+                      <a:round/>
+                      <a:headEnd type="none" w="med" len="med"/>
+                      <a:tailEnd type="none" w="med" len="med"/>
+                    </a:lnT>
+                    <a:lnB w="12700" cap="flat" cmpd="sng" algn="ctr">
+                      <a:solidFill>
+                        <a:schemeClr val="tx1"/>
+                      </a:solidFill>
+                      <a:prstDash val="solid"/>
+                      <a:round/>
+                      <a:headEnd type="none" w="med" len="med"/>
+                      <a:tailEnd type="none" w="med" len="med"/>
+                    </a:lnB>
+                    <a:lnTlToBr w="12700" cmpd="sng">
+                      <a:noFill/>
+                      <a:prstDash val="solid"/>
+                    </a:lnTlToBr>
+                    <a:lnBlToTr w="12700" cmpd="sng">
+                      <a:noFill/>
+                      <a:prstDash val="solid"/>
+                    </a:lnBlToTr>
+                    <a:solidFill>
+                      <a:schemeClr val="accent4">
+                        <a:lumMod val="20000"/>
+                        <a:lumOff val="80000"/>
+                      </a:schemeClr>
+                    </a:solidFill>
+                  </a:tcPr>
+                </a:tc>
+                <a:tc>
+                  <a:txBody>
+                    <a:bodyPr/>
+                    <a:lstStyle/>
+                    <a:p>
+                      <a:pPr>
+                        <a:buNone/>
+                      </a:pPr>
+                      <a:r>
+                        <a:rPr lang="en-GB" sz="1600"/>
+                        <a:t>Store recent, temporary conversation context</a:t>
+                      </a:r>
+                    </a:p>
+                  </a:txBody>
+                  <a:tcPr marL="21021" marR="21021" marT="10510" marB="10510" anchor="ctr">
+                    <a:lnL w="12700" cap="flat" cmpd="sng" algn="ctr">
+                      <a:solidFill>
+                        <a:schemeClr val="tx1"/>
+                      </a:solidFill>
+                      <a:prstDash val="solid"/>
+                      <a:round/>
+                      <a:headEnd type="none" w="med" len="med"/>
+                      <a:tailEnd type="none" w="med" len="med"/>
+                    </a:lnL>
+                    <a:lnR w="12700" cap="flat" cmpd="sng" algn="ctr">
+                      <a:solidFill>
+                        <a:schemeClr val="tx1"/>
+                      </a:solidFill>
+                      <a:prstDash val="solid"/>
+                      <a:round/>
+                      <a:headEnd type="none" w="med" len="med"/>
+                      <a:tailEnd type="none" w="med" len="med"/>
+                    </a:lnR>
+                    <a:lnT w="12700" cap="flat" cmpd="sng" algn="ctr">
+                      <a:solidFill>
+                        <a:schemeClr val="tx1"/>
+                      </a:solidFill>
+                      <a:prstDash val="solid"/>
+                      <a:round/>
+                      <a:headEnd type="none" w="med" len="med"/>
+                      <a:tailEnd type="none" w="med" len="med"/>
+                    </a:lnT>
+                    <a:lnB w="12700" cap="flat" cmpd="sng" algn="ctr">
+                      <a:solidFill>
+                        <a:schemeClr val="tx1"/>
+                      </a:solidFill>
+                      <a:prstDash val="solid"/>
+                      <a:round/>
+                      <a:headEnd type="none" w="med" len="med"/>
+                      <a:tailEnd type="none" w="med" len="med"/>
+                    </a:lnB>
+                    <a:lnTlToBr w="12700" cmpd="sng">
+                      <a:noFill/>
+                      <a:prstDash val="solid"/>
+                    </a:lnTlToBr>
+                    <a:lnBlToTr w="12700" cmpd="sng">
+                      <a:noFill/>
+                      <a:prstDash val="solid"/>
+                    </a:lnBlToTr>
+                    <a:solidFill>
+                      <a:schemeClr val="accent4">
+                        <a:lumMod val="20000"/>
+                        <a:lumOff val="80000"/>
+                      </a:schemeClr>
+                    </a:solidFill>
+                  </a:tcPr>
+                </a:tc>
+                <a:tc>
+                  <a:txBody>
+                    <a:bodyPr/>
+                    <a:lstStyle/>
+                    <a:p>
+                      <a:pPr>
+                        <a:buNone/>
+                      </a:pPr>
+                      <a:r>
+                        <a:rPr lang="en-US" sz="1600"/>
+                        <a:t>- Maintains recent conversational exchanges (default: 30 minutes).- Automatically removes expired entries based on timestamp metadata.- Provides immediate context continuity for natural responses.- Stored in </a:t>
+                      </a:r>
+                      <a:r>
+                        <a:rPr lang="en-US" sz="1600">
+                          <a:latin typeface="Courier New" panose="02070309020205020404" pitchFamily="49" charset="0"/>
+                        </a:rPr>
+                        <a:t>short_term</a:t>
+                      </a:r>
+                      <a:r>
+                        <a:rPr lang="en-US" sz="1600"/>
+                        <a:t> Chroma collection.</a:t>
+                      </a:r>
+                    </a:p>
+                  </a:txBody>
+                  <a:tcPr marL="21021" marR="21021" marT="10510" marB="10510" anchor="ctr">
+                    <a:lnL w="12700" cap="flat" cmpd="sng" algn="ctr">
+                      <a:solidFill>
+                        <a:schemeClr val="tx1"/>
+                      </a:solidFill>
+                      <a:prstDash val="solid"/>
+                      <a:round/>
+                      <a:headEnd type="none" w="med" len="med"/>
+                      <a:tailEnd type="none" w="med" len="med"/>
+                    </a:lnL>
+                    <a:lnR w="12700" cap="flat" cmpd="sng" algn="ctr">
+                      <a:solidFill>
+                        <a:schemeClr val="tx1"/>
+                      </a:solidFill>
+                      <a:prstDash val="solid"/>
+                      <a:round/>
+                      <a:headEnd type="none" w="med" len="med"/>
+                      <a:tailEnd type="none" w="med" len="med"/>
+                    </a:lnR>
+                    <a:lnT w="12700" cap="flat" cmpd="sng" algn="ctr">
+                      <a:solidFill>
+                        <a:schemeClr val="tx1"/>
+                      </a:solidFill>
+                      <a:prstDash val="solid"/>
+                      <a:round/>
+                      <a:headEnd type="none" w="med" len="med"/>
+                      <a:tailEnd type="none" w="med" len="med"/>
+                    </a:lnT>
+                    <a:lnB w="12700" cap="flat" cmpd="sng" algn="ctr">
+                      <a:solidFill>
+                        <a:schemeClr val="tx1"/>
+                      </a:solidFill>
+                      <a:prstDash val="solid"/>
+                      <a:round/>
+                      <a:headEnd type="none" w="med" len="med"/>
+                      <a:tailEnd type="none" w="med" len="med"/>
+                    </a:lnB>
+                    <a:lnTlToBr w="12700" cmpd="sng">
+                      <a:noFill/>
+                      <a:prstDash val="solid"/>
+                    </a:lnTlToBr>
+                    <a:lnBlToTr w="12700" cmpd="sng">
+                      <a:noFill/>
+                      <a:prstDash val="solid"/>
+                    </a:lnBlToTr>
+                    <a:solidFill>
+                      <a:schemeClr val="accent4">
+                        <a:lumMod val="20000"/>
+                        <a:lumOff val="80000"/>
+                      </a:schemeClr>
+                    </a:solidFill>
+                  </a:tcPr>
+                </a:tc>
+                <a:extLst>
+                  <a:ext uri="{0D108BD9-81ED-4DB2-BD59-A6C34878D82A}">
+                    <a16:rowId xmlns:a16="http://schemas.microsoft.com/office/drawing/2014/main" val="557958913"/>
+                  </a:ext>
+                </a:extLst>
+              </a:tr>
+              <a:tr h="525524">
+                <a:tc>
+                  <a:txBody>
+                    <a:bodyPr/>
+                    <a:lstStyle/>
+                    <a:p>
+                      <a:pPr>
+                        <a:buNone/>
+                      </a:pPr>
+                      <a:r>
+                        <a:rPr lang="en-GB" sz="1600" b="1"/>
+                        <a:t>Long-Term Memory</a:t>
+                      </a:r>
+                      <a:endParaRPr lang="en-GB" sz="1600"/>
+                    </a:p>
+                  </a:txBody>
+                  <a:tcPr marL="21021" marR="21021" marT="10510" marB="10510" anchor="ctr">
+                    <a:lnL w="12700" cap="flat" cmpd="sng" algn="ctr">
+                      <a:solidFill>
+                        <a:schemeClr val="tx1"/>
+                      </a:solidFill>
+                      <a:prstDash val="solid"/>
+                      <a:round/>
+                      <a:headEnd type="none" w="med" len="med"/>
+                      <a:tailEnd type="none" w="med" len="med"/>
+                    </a:lnL>
+                    <a:lnR w="12700" cap="flat" cmpd="sng" algn="ctr">
+                      <a:solidFill>
+                        <a:schemeClr val="tx1"/>
+                      </a:solidFill>
+                      <a:prstDash val="solid"/>
+                      <a:round/>
+                      <a:headEnd type="none" w="med" len="med"/>
+                      <a:tailEnd type="none" w="med" len="med"/>
+                    </a:lnR>
+                    <a:lnT w="12700" cap="flat" cmpd="sng" algn="ctr">
+                      <a:solidFill>
+                        <a:schemeClr val="tx1"/>
+                      </a:solidFill>
+                      <a:prstDash val="solid"/>
+                      <a:round/>
+                      <a:headEnd type="none" w="med" len="med"/>
+                      <a:tailEnd type="none" w="med" len="med"/>
+                    </a:lnT>
+                    <a:lnB w="12700" cap="flat" cmpd="sng" algn="ctr">
+                      <a:solidFill>
+                        <a:schemeClr val="tx1"/>
+                      </a:solidFill>
+                      <a:prstDash val="solid"/>
+                      <a:round/>
+                      <a:headEnd type="none" w="med" len="med"/>
+                      <a:tailEnd type="none" w="med" len="med"/>
+                    </a:lnB>
+                    <a:lnTlToBr w="12700" cmpd="sng">
+                      <a:noFill/>
+                      <a:prstDash val="solid"/>
+                    </a:lnTlToBr>
+                    <a:lnBlToTr w="12700" cmpd="sng">
+                      <a:noFill/>
+                      <a:prstDash val="solid"/>
+                    </a:lnBlToTr>
+                    <a:solidFill>
+                      <a:schemeClr val="accent4">
+                        <a:lumMod val="20000"/>
+                        <a:lumOff val="80000"/>
+                      </a:schemeClr>
+                    </a:solidFill>
+                  </a:tcPr>
+                </a:tc>
+                <a:tc>
+                  <a:txBody>
+                    <a:bodyPr/>
+                    <a:lstStyle/>
+                    <a:p>
+                      <a:pPr>
+                        <a:buNone/>
+                      </a:pPr>
+                      <a:r>
+                        <a:rPr lang="en-US" sz="1600"/>
+                        <a:t>Preserve accumulated and reference knowledge</a:t>
+                      </a:r>
+                    </a:p>
+                  </a:txBody>
+                  <a:tcPr marL="21021" marR="21021" marT="10510" marB="10510" anchor="ctr">
+                    <a:lnL w="12700" cap="flat" cmpd="sng" algn="ctr">
+                      <a:solidFill>
+                        <a:schemeClr val="tx1"/>
+                      </a:solidFill>
+                      <a:prstDash val="solid"/>
+                      <a:round/>
+                      <a:headEnd type="none" w="med" len="med"/>
+                      <a:tailEnd type="none" w="med" len="med"/>
+                    </a:lnL>
+                    <a:lnR w="12700" cap="flat" cmpd="sng" algn="ctr">
+                      <a:solidFill>
+                        <a:schemeClr val="tx1"/>
+                      </a:solidFill>
+                      <a:prstDash val="solid"/>
+                      <a:round/>
+                      <a:headEnd type="none" w="med" len="med"/>
+                      <a:tailEnd type="none" w="med" len="med"/>
+                    </a:lnR>
+                    <a:lnT w="12700" cap="flat" cmpd="sng" algn="ctr">
+                      <a:solidFill>
+                        <a:schemeClr val="tx1"/>
+                      </a:solidFill>
+                      <a:prstDash val="solid"/>
+                      <a:round/>
+                      <a:headEnd type="none" w="med" len="med"/>
+                      <a:tailEnd type="none" w="med" len="med"/>
+                    </a:lnT>
+                    <a:lnB w="12700" cap="flat" cmpd="sng" algn="ctr">
+                      <a:solidFill>
+                        <a:schemeClr val="tx1"/>
+                      </a:solidFill>
+                      <a:prstDash val="solid"/>
+                      <a:round/>
+                      <a:headEnd type="none" w="med" len="med"/>
+                      <a:tailEnd type="none" w="med" len="med"/>
+                    </a:lnB>
+                    <a:lnTlToBr w="12700" cmpd="sng">
+                      <a:noFill/>
+                      <a:prstDash val="solid"/>
+                    </a:lnTlToBr>
+                    <a:lnBlToTr w="12700" cmpd="sng">
+                      <a:noFill/>
+                      <a:prstDash val="solid"/>
+                    </a:lnBlToTr>
+                    <a:solidFill>
+                      <a:schemeClr val="accent4">
+                        <a:lumMod val="20000"/>
+                        <a:lumOff val="80000"/>
+                      </a:schemeClr>
+                    </a:solidFill>
+                  </a:tcPr>
+                </a:tc>
+                <a:tc>
+                  <a:txBody>
+                    <a:bodyPr/>
+                    <a:lstStyle/>
+                    <a:p>
+                      <a:pPr>
+                        <a:buNone/>
+                      </a:pPr>
+                      <a:r>
+                        <a:rPr lang="en-US" sz="1600"/>
+                        <a:t>- Loads pre-existing FAQ or conversation pairs from </a:t>
+                      </a:r>
+                      <a:r>
+                        <a:rPr lang="en-US" sz="1600">
+                          <a:latin typeface="Courier New" panose="02070309020205020404" pitchFamily="49" charset="0"/>
+                        </a:rPr>
+                        <a:t>Conversation.csv</a:t>
+                      </a:r>
+                      <a:r>
+                        <a:rPr lang="en-US" sz="1600"/>
+                        <a:t>.- Retains important past conversations permanently for future reuse.- Automatically skips reload if data already exists in vector DB.- Stored in </a:t>
+                      </a:r>
+                      <a:r>
+                        <a:rPr lang="en-US" sz="1600">
+                          <a:latin typeface="Courier New" panose="02070309020205020404" pitchFamily="49" charset="0"/>
+                        </a:rPr>
+                        <a:t>long_term</a:t>
+                      </a:r>
+                      <a:r>
+                        <a:rPr lang="en-US" sz="1600"/>
+                        <a:t> Chroma collection.</a:t>
+                      </a:r>
+                    </a:p>
+                  </a:txBody>
+                  <a:tcPr marL="21021" marR="21021" marT="10510" marB="10510" anchor="ctr">
+                    <a:lnL w="12700" cap="flat" cmpd="sng" algn="ctr">
+                      <a:solidFill>
+                        <a:schemeClr val="tx1"/>
+                      </a:solidFill>
+                      <a:prstDash val="solid"/>
+                      <a:round/>
+                      <a:headEnd type="none" w="med" len="med"/>
+                      <a:tailEnd type="none" w="med" len="med"/>
+                    </a:lnL>
+                    <a:lnR w="12700" cap="flat" cmpd="sng" algn="ctr">
+                      <a:solidFill>
+                        <a:schemeClr val="tx1"/>
+                      </a:solidFill>
+                      <a:prstDash val="solid"/>
+                      <a:round/>
+                      <a:headEnd type="none" w="med" len="med"/>
+                      <a:tailEnd type="none" w="med" len="med"/>
+                    </a:lnR>
+                    <a:lnT w="12700" cap="flat" cmpd="sng" algn="ctr">
+                      <a:solidFill>
+                        <a:schemeClr val="tx1"/>
+                      </a:solidFill>
+                      <a:prstDash val="solid"/>
+                      <a:round/>
+                      <a:headEnd type="none" w="med" len="med"/>
+                      <a:tailEnd type="none" w="med" len="med"/>
+                    </a:lnT>
+                    <a:lnB w="12700" cap="flat" cmpd="sng" algn="ctr">
+                      <a:solidFill>
+                        <a:schemeClr val="tx1"/>
+                      </a:solidFill>
+                      <a:prstDash val="solid"/>
+                      <a:round/>
+                      <a:headEnd type="none" w="med" len="med"/>
+                      <a:tailEnd type="none" w="med" len="med"/>
+                    </a:lnB>
+                    <a:lnTlToBr w="12700" cmpd="sng">
+                      <a:noFill/>
+                      <a:prstDash val="solid"/>
+                    </a:lnTlToBr>
+                    <a:lnBlToTr w="12700" cmpd="sng">
+                      <a:noFill/>
+                      <a:prstDash val="solid"/>
+                    </a:lnBlToTr>
+                    <a:solidFill>
+                      <a:schemeClr val="accent4">
+                        <a:lumMod val="20000"/>
+                        <a:lumOff val="80000"/>
+                      </a:schemeClr>
+                    </a:solidFill>
+                  </a:tcPr>
+                </a:tc>
+                <a:extLst>
+                  <a:ext uri="{0D108BD9-81ED-4DB2-BD59-A6C34878D82A}">
+                    <a16:rowId xmlns:a16="http://schemas.microsoft.com/office/drawing/2014/main" val="3798568794"/>
+                  </a:ext>
+                </a:extLst>
+              </a:tr>
+              <a:tr h="525524">
+                <a:tc>
+                  <a:txBody>
+                    <a:bodyPr/>
+                    <a:lstStyle/>
+                    <a:p>
+                      <a:pPr>
+                        <a:buNone/>
+                      </a:pPr>
+                      <a:r>
+                        <a:rPr lang="en-GB" sz="1600" b="1"/>
+                        <a:t>Memory Search</a:t>
+                      </a:r>
+                      <a:endParaRPr lang="en-GB" sz="1600"/>
+                    </a:p>
+                  </a:txBody>
+                  <a:tcPr marL="21021" marR="21021" marT="10510" marB="10510" anchor="ctr">
+                    <a:lnL w="12700" cap="flat" cmpd="sng" algn="ctr">
+                      <a:solidFill>
+                        <a:schemeClr val="tx1"/>
+                      </a:solidFill>
+                      <a:prstDash val="solid"/>
+                      <a:round/>
+                      <a:headEnd type="none" w="med" len="med"/>
+                      <a:tailEnd type="none" w="med" len="med"/>
+                    </a:lnL>
+                    <a:lnR w="12700" cap="flat" cmpd="sng" algn="ctr">
+                      <a:solidFill>
+                        <a:schemeClr val="tx1"/>
+                      </a:solidFill>
+                      <a:prstDash val="solid"/>
+                      <a:round/>
+                      <a:headEnd type="none" w="med" len="med"/>
+                      <a:tailEnd type="none" w="med" len="med"/>
+                    </a:lnR>
+                    <a:lnT w="12700" cap="flat" cmpd="sng" algn="ctr">
+                      <a:solidFill>
+                        <a:schemeClr val="tx1"/>
+                      </a:solidFill>
+                      <a:prstDash val="solid"/>
+                      <a:round/>
+                      <a:headEnd type="none" w="med" len="med"/>
+                      <a:tailEnd type="none" w="med" len="med"/>
+                    </a:lnT>
+                    <a:lnB w="12700" cap="flat" cmpd="sng" algn="ctr">
+                      <a:solidFill>
+                        <a:schemeClr val="tx1"/>
+                      </a:solidFill>
+                      <a:prstDash val="solid"/>
+                      <a:round/>
+                      <a:headEnd type="none" w="med" len="med"/>
+                      <a:tailEnd type="none" w="med" len="med"/>
+                    </a:lnB>
+                    <a:lnTlToBr w="12700" cmpd="sng">
+                      <a:noFill/>
+                      <a:prstDash val="solid"/>
+                    </a:lnTlToBr>
+                    <a:lnBlToTr w="12700" cmpd="sng">
+                      <a:noFill/>
+                      <a:prstDash val="solid"/>
+                    </a:lnBlToTr>
+                    <a:solidFill>
+                      <a:schemeClr val="accent4">
+                        <a:lumMod val="20000"/>
+                        <a:lumOff val="80000"/>
+                      </a:schemeClr>
+                    </a:solidFill>
+                  </a:tcPr>
+                </a:tc>
+                <a:tc>
+                  <a:txBody>
+                    <a:bodyPr/>
+                    <a:lstStyle/>
+                    <a:p>
+                      <a:pPr>
+                        <a:buNone/>
+                      </a:pPr>
+                      <a:r>
+                        <a:rPr lang="en-GB" sz="1600"/>
+                        <a:t>Retrieve contextually similar information</a:t>
+                      </a:r>
+                    </a:p>
+                  </a:txBody>
+                  <a:tcPr marL="21021" marR="21021" marT="10510" marB="10510" anchor="ctr">
+                    <a:lnL w="12700" cap="flat" cmpd="sng" algn="ctr">
+                      <a:solidFill>
+                        <a:schemeClr val="tx1"/>
+                      </a:solidFill>
+                      <a:prstDash val="solid"/>
+                      <a:round/>
+                      <a:headEnd type="none" w="med" len="med"/>
+                      <a:tailEnd type="none" w="med" len="med"/>
+                    </a:lnL>
+                    <a:lnR w="12700" cap="flat" cmpd="sng" algn="ctr">
+                      <a:solidFill>
+                        <a:schemeClr val="tx1"/>
+                      </a:solidFill>
+                      <a:prstDash val="solid"/>
+                      <a:round/>
+                      <a:headEnd type="none" w="med" len="med"/>
+                      <a:tailEnd type="none" w="med" len="med"/>
+                    </a:lnR>
+                    <a:lnT w="12700" cap="flat" cmpd="sng" algn="ctr">
+                      <a:solidFill>
+                        <a:schemeClr val="tx1"/>
+                      </a:solidFill>
+                      <a:prstDash val="solid"/>
+                      <a:round/>
+                      <a:headEnd type="none" w="med" len="med"/>
+                      <a:tailEnd type="none" w="med" len="med"/>
+                    </a:lnT>
+                    <a:lnB w="12700" cap="flat" cmpd="sng" algn="ctr">
+                      <a:solidFill>
+                        <a:schemeClr val="tx1"/>
+                      </a:solidFill>
+                      <a:prstDash val="solid"/>
+                      <a:round/>
+                      <a:headEnd type="none" w="med" len="med"/>
+                      <a:tailEnd type="none" w="med" len="med"/>
+                    </a:lnB>
+                    <a:lnTlToBr w="12700" cmpd="sng">
+                      <a:noFill/>
+                      <a:prstDash val="solid"/>
+                    </a:lnTlToBr>
+                    <a:lnBlToTr w="12700" cmpd="sng">
+                      <a:noFill/>
+                      <a:prstDash val="solid"/>
+                    </a:lnBlToTr>
+                    <a:solidFill>
+                      <a:schemeClr val="accent4">
+                        <a:lumMod val="20000"/>
+                        <a:lumOff val="80000"/>
+                      </a:schemeClr>
+                    </a:solidFill>
+                  </a:tcPr>
+                </a:tc>
+                <a:tc>
+                  <a:txBody>
+                    <a:bodyPr/>
+                    <a:lstStyle/>
+                    <a:p>
+                      <a:pPr>
+                        <a:buNone/>
+                      </a:pPr>
+                      <a:r>
+                        <a:rPr lang="en-US" sz="1600"/>
+                        <a:t>- Converts user query into vector embedding.- Searches short- and long-term Chroma collections.- Uses cosine similarity (lower distance = higher similarity).- Returns top-k closest results with similarity scores.- Results are used as conversational context.</a:t>
+                      </a:r>
+                    </a:p>
+                  </a:txBody>
+                  <a:tcPr marL="21021" marR="21021" marT="10510" marB="10510" anchor="ctr">
+                    <a:lnL w="12700" cap="flat" cmpd="sng" algn="ctr">
+                      <a:solidFill>
+                        <a:schemeClr val="tx1"/>
+                      </a:solidFill>
+                      <a:prstDash val="solid"/>
+                      <a:round/>
+                      <a:headEnd type="none" w="med" len="med"/>
+                      <a:tailEnd type="none" w="med" len="med"/>
+                    </a:lnL>
+                    <a:lnR w="12700" cap="flat" cmpd="sng" algn="ctr">
+                      <a:solidFill>
+                        <a:schemeClr val="tx1"/>
+                      </a:solidFill>
+                      <a:prstDash val="solid"/>
+                      <a:round/>
+                      <a:headEnd type="none" w="med" len="med"/>
+                      <a:tailEnd type="none" w="med" len="med"/>
+                    </a:lnR>
+                    <a:lnT w="12700" cap="flat" cmpd="sng" algn="ctr">
+                      <a:solidFill>
+                        <a:schemeClr val="tx1"/>
+                      </a:solidFill>
+                      <a:prstDash val="solid"/>
+                      <a:round/>
+                      <a:headEnd type="none" w="med" len="med"/>
+                      <a:tailEnd type="none" w="med" len="med"/>
+                    </a:lnT>
+                    <a:lnB w="12700" cap="flat" cmpd="sng" algn="ctr">
+                      <a:solidFill>
+                        <a:schemeClr val="tx1"/>
+                      </a:solidFill>
+                      <a:prstDash val="solid"/>
+                      <a:round/>
+                      <a:headEnd type="none" w="med" len="med"/>
+                      <a:tailEnd type="none" w="med" len="med"/>
+                    </a:lnB>
+                    <a:lnTlToBr w="12700" cmpd="sng">
+                      <a:noFill/>
+                      <a:prstDash val="solid"/>
+                    </a:lnTlToBr>
+                    <a:lnBlToTr w="12700" cmpd="sng">
+                      <a:noFill/>
+                      <a:prstDash val="solid"/>
+                    </a:lnBlToTr>
+                    <a:solidFill>
+                      <a:schemeClr val="accent4">
+                        <a:lumMod val="20000"/>
+                        <a:lumOff val="80000"/>
+                      </a:schemeClr>
+                    </a:solidFill>
+                  </a:tcPr>
+                </a:tc>
+                <a:extLst>
+                  <a:ext uri="{0D108BD9-81ED-4DB2-BD59-A6C34878D82A}">
+                    <a16:rowId xmlns:a16="http://schemas.microsoft.com/office/drawing/2014/main" val="1352721406"/>
+                  </a:ext>
+                </a:extLst>
+              </a:tr>
+              <a:tr h="462461">
+                <a:tc>
+                  <a:txBody>
+                    <a:bodyPr/>
+                    <a:lstStyle/>
+                    <a:p>
+                      <a:pPr>
+                        <a:buNone/>
+                      </a:pPr>
+                      <a:r>
+                        <a:rPr lang="en-GB" sz="1600" b="1"/>
+                        <a:t>Cleanup Process</a:t>
+                      </a:r>
+                      <a:endParaRPr lang="en-GB" sz="1600"/>
+                    </a:p>
+                  </a:txBody>
+                  <a:tcPr marL="21021" marR="21021" marT="10510" marB="10510" anchor="ctr">
+                    <a:lnL w="12700" cap="flat" cmpd="sng" algn="ctr">
+                      <a:solidFill>
+                        <a:schemeClr val="tx1"/>
+                      </a:solidFill>
+                      <a:prstDash val="solid"/>
+                      <a:round/>
+                      <a:headEnd type="none" w="med" len="med"/>
+                      <a:tailEnd type="none" w="med" len="med"/>
+                    </a:lnL>
+                    <a:lnR w="12700" cap="flat" cmpd="sng" algn="ctr">
+                      <a:solidFill>
+                        <a:schemeClr val="tx1"/>
+                      </a:solidFill>
+                      <a:prstDash val="solid"/>
+                      <a:round/>
+                      <a:headEnd type="none" w="med" len="med"/>
+                      <a:tailEnd type="none" w="med" len="med"/>
+                    </a:lnR>
+                    <a:lnT w="12700" cap="flat" cmpd="sng" algn="ctr">
+                      <a:solidFill>
+                        <a:schemeClr val="tx1"/>
+                      </a:solidFill>
+                      <a:prstDash val="solid"/>
+                      <a:round/>
+                      <a:headEnd type="none" w="med" len="med"/>
+                      <a:tailEnd type="none" w="med" len="med"/>
+                    </a:lnT>
+                    <a:lnB w="12700" cap="flat" cmpd="sng" algn="ctr">
+                      <a:solidFill>
+                        <a:schemeClr val="tx1"/>
+                      </a:solidFill>
+                      <a:prstDash val="solid"/>
+                      <a:round/>
+                      <a:headEnd type="none" w="med" len="med"/>
+                      <a:tailEnd type="none" w="med" len="med"/>
+                    </a:lnB>
+                    <a:lnTlToBr w="12700" cmpd="sng">
+                      <a:noFill/>
+                      <a:prstDash val="solid"/>
+                    </a:lnTlToBr>
+                    <a:lnBlToTr w="12700" cmpd="sng">
+                      <a:noFill/>
+                      <a:prstDash val="solid"/>
+                    </a:lnBlToTr>
+                    <a:solidFill>
+                      <a:schemeClr val="accent4">
+                        <a:lumMod val="20000"/>
+                        <a:lumOff val="80000"/>
+                      </a:schemeClr>
+                    </a:solidFill>
+                  </a:tcPr>
+                </a:tc>
+                <a:tc>
+                  <a:txBody>
+                    <a:bodyPr/>
+                    <a:lstStyle/>
+                    <a:p>
+                      <a:pPr>
+                        <a:buNone/>
+                      </a:pPr>
+                      <a:r>
+                        <a:rPr lang="en-US" sz="1600"/>
+                        <a:t>Maintain relevance in short-term memory</a:t>
+                      </a:r>
+                    </a:p>
+                  </a:txBody>
+                  <a:tcPr marL="21021" marR="21021" marT="10510" marB="10510" anchor="ctr">
+                    <a:lnL w="12700" cap="flat" cmpd="sng" algn="ctr">
+                      <a:solidFill>
+                        <a:schemeClr val="tx1"/>
+                      </a:solidFill>
+                      <a:prstDash val="solid"/>
+                      <a:round/>
+                      <a:headEnd type="none" w="med" len="med"/>
+                      <a:tailEnd type="none" w="med" len="med"/>
+                    </a:lnL>
+                    <a:lnR w="12700" cap="flat" cmpd="sng" algn="ctr">
+                      <a:solidFill>
+                        <a:schemeClr val="tx1"/>
+                      </a:solidFill>
+                      <a:prstDash val="solid"/>
+                      <a:round/>
+                      <a:headEnd type="none" w="med" len="med"/>
+                      <a:tailEnd type="none" w="med" len="med"/>
+                    </a:lnR>
+                    <a:lnT w="12700" cap="flat" cmpd="sng" algn="ctr">
+                      <a:solidFill>
+                        <a:schemeClr val="tx1"/>
+                      </a:solidFill>
+                      <a:prstDash val="solid"/>
+                      <a:round/>
+                      <a:headEnd type="none" w="med" len="med"/>
+                      <a:tailEnd type="none" w="med" len="med"/>
+                    </a:lnT>
+                    <a:lnB w="12700" cap="flat" cmpd="sng" algn="ctr">
+                      <a:solidFill>
+                        <a:schemeClr val="tx1"/>
+                      </a:solidFill>
+                      <a:prstDash val="solid"/>
+                      <a:round/>
+                      <a:headEnd type="none" w="med" len="med"/>
+                      <a:tailEnd type="none" w="med" len="med"/>
+                    </a:lnB>
+                    <a:lnTlToBr w="12700" cmpd="sng">
+                      <a:noFill/>
+                      <a:prstDash val="solid"/>
+                    </a:lnTlToBr>
+                    <a:lnBlToTr w="12700" cmpd="sng">
+                      <a:noFill/>
+                      <a:prstDash val="solid"/>
+                    </a:lnBlToTr>
+                    <a:solidFill>
+                      <a:schemeClr val="accent4">
+                        <a:lumMod val="20000"/>
+                        <a:lumOff val="80000"/>
+                      </a:schemeClr>
+                    </a:solidFill>
+                  </a:tcPr>
+                </a:tc>
+                <a:tc>
+                  <a:txBody>
+                    <a:bodyPr/>
+                    <a:lstStyle/>
+                    <a:p>
+                      <a:pPr>
+                        <a:buNone/>
+                      </a:pPr>
+                      <a:r>
+                        <a:rPr lang="en-US" sz="1600"/>
+                        <a:t>- Iterates through stored entries in </a:t>
+                      </a:r>
+                      <a:r>
+                        <a:rPr lang="en-US" sz="1600">
+                          <a:latin typeface="Courier New" panose="02070309020205020404" pitchFamily="49" charset="0"/>
+                        </a:rPr>
+                        <a:t>short_term</a:t>
+                      </a:r>
+                      <a:r>
+                        <a:rPr lang="en-US" sz="1600"/>
+                        <a:t> memory.- Compares timestamps with current time.- Deletes entries older than 30 minutes (or configured limit).- Leaves long-term memory intact to preserve history.</a:t>
+                      </a:r>
+                    </a:p>
+                  </a:txBody>
+                  <a:tcPr marL="21021" marR="21021" marT="10510" marB="10510" anchor="ctr">
+                    <a:lnL w="12700" cap="flat" cmpd="sng" algn="ctr">
+                      <a:solidFill>
+                        <a:schemeClr val="tx1"/>
+                      </a:solidFill>
+                      <a:prstDash val="solid"/>
+                      <a:round/>
+                      <a:headEnd type="none" w="med" len="med"/>
+                      <a:tailEnd type="none" w="med" len="med"/>
+                    </a:lnL>
+                    <a:lnR w="12700" cap="flat" cmpd="sng" algn="ctr">
+                      <a:solidFill>
+                        <a:schemeClr val="tx1"/>
+                      </a:solidFill>
+                      <a:prstDash val="solid"/>
+                      <a:round/>
+                      <a:headEnd type="none" w="med" len="med"/>
+                      <a:tailEnd type="none" w="med" len="med"/>
+                    </a:lnR>
+                    <a:lnT w="12700" cap="flat" cmpd="sng" algn="ctr">
+                      <a:solidFill>
+                        <a:schemeClr val="tx1"/>
+                      </a:solidFill>
+                      <a:prstDash val="solid"/>
+                      <a:round/>
+                      <a:headEnd type="none" w="med" len="med"/>
+                      <a:tailEnd type="none" w="med" len="med"/>
+                    </a:lnT>
+                    <a:lnB w="12700" cap="flat" cmpd="sng" algn="ctr">
+                      <a:solidFill>
+                        <a:schemeClr val="tx1"/>
+                      </a:solidFill>
+                      <a:prstDash val="solid"/>
+                      <a:round/>
+                      <a:headEnd type="none" w="med" len="med"/>
+                      <a:tailEnd type="none" w="med" len="med"/>
+                    </a:lnB>
+                    <a:lnTlToBr w="12700" cmpd="sng">
+                      <a:noFill/>
+                      <a:prstDash val="solid"/>
+                    </a:lnTlToBr>
+                    <a:lnBlToTr w="12700" cmpd="sng">
+                      <a:noFill/>
+                      <a:prstDash val="solid"/>
+                    </a:lnBlToTr>
+                    <a:solidFill>
+                      <a:schemeClr val="accent4">
+                        <a:lumMod val="20000"/>
+                        <a:lumOff val="80000"/>
+                      </a:schemeClr>
+                    </a:solidFill>
+                  </a:tcPr>
+                </a:tc>
+                <a:extLst>
+                  <a:ext uri="{0D108BD9-81ED-4DB2-BD59-A6C34878D82A}">
+                    <a16:rowId xmlns:a16="http://schemas.microsoft.com/office/drawing/2014/main" val="2060119909"/>
+                  </a:ext>
+                </a:extLst>
+              </a:tr>
+              <a:tr h="651650">
+                <a:tc>
+                  <a:txBody>
+                    <a:bodyPr/>
+                    <a:lstStyle/>
+                    <a:p>
+                      <a:pPr>
+                        <a:buNone/>
+                      </a:pPr>
+                      <a:r>
+                        <a:rPr lang="en-GB" sz="1600" b="1"/>
+                        <a:t>Response Generation</a:t>
+                      </a:r>
+                      <a:endParaRPr lang="en-GB" sz="1600"/>
+                    </a:p>
+                  </a:txBody>
+                  <a:tcPr marL="21021" marR="21021" marT="10510" marB="10510" anchor="ctr">
+                    <a:lnL w="12700" cap="flat" cmpd="sng" algn="ctr">
+                      <a:solidFill>
+                        <a:schemeClr val="tx1"/>
+                      </a:solidFill>
+                      <a:prstDash val="solid"/>
+                      <a:round/>
+                      <a:headEnd type="none" w="med" len="med"/>
+                      <a:tailEnd type="none" w="med" len="med"/>
+                    </a:lnL>
+                    <a:lnR w="12700" cap="flat" cmpd="sng" algn="ctr">
+                      <a:solidFill>
+                        <a:schemeClr val="tx1"/>
+                      </a:solidFill>
+                      <a:prstDash val="solid"/>
+                      <a:round/>
+                      <a:headEnd type="none" w="med" len="med"/>
+                      <a:tailEnd type="none" w="med" len="med"/>
+                    </a:lnR>
+                    <a:lnT w="12700" cap="flat" cmpd="sng" algn="ctr">
+                      <a:solidFill>
+                        <a:schemeClr val="tx1"/>
+                      </a:solidFill>
+                      <a:prstDash val="solid"/>
+                      <a:round/>
+                      <a:headEnd type="none" w="med" len="med"/>
+                      <a:tailEnd type="none" w="med" len="med"/>
+                    </a:lnT>
+                    <a:lnB w="12700" cap="flat" cmpd="sng" algn="ctr">
+                      <a:solidFill>
+                        <a:schemeClr val="tx1"/>
+                      </a:solidFill>
+                      <a:prstDash val="solid"/>
+                      <a:round/>
+                      <a:headEnd type="none" w="med" len="med"/>
+                      <a:tailEnd type="none" w="med" len="med"/>
+                    </a:lnB>
+                    <a:lnTlToBr w="12700" cmpd="sng">
+                      <a:noFill/>
+                      <a:prstDash val="solid"/>
+                    </a:lnTlToBr>
+                    <a:lnBlToTr w="12700" cmpd="sng">
+                      <a:noFill/>
+                      <a:prstDash val="solid"/>
+                    </a:lnBlToTr>
+                    <a:solidFill>
+                      <a:schemeClr val="accent4">
+                        <a:lumMod val="20000"/>
+                        <a:lumOff val="80000"/>
+                      </a:schemeClr>
+                    </a:solidFill>
+                  </a:tcPr>
+                </a:tc>
+                <a:tc>
+                  <a:txBody>
+                    <a:bodyPr/>
+                    <a:lstStyle/>
+                    <a:p>
+                      <a:pPr>
+                        <a:buNone/>
+                      </a:pPr>
+                      <a:r>
+                        <a:rPr lang="en-US" sz="1600"/>
+                        <a:t>Produce the AI’s final conversational reply</a:t>
+                      </a:r>
+                    </a:p>
+                  </a:txBody>
+                  <a:tcPr marL="21021" marR="21021" marT="10510" marB="10510" anchor="ctr">
+                    <a:lnL w="12700" cap="flat" cmpd="sng" algn="ctr">
+                      <a:solidFill>
+                        <a:schemeClr val="tx1"/>
+                      </a:solidFill>
+                      <a:prstDash val="solid"/>
+                      <a:round/>
+                      <a:headEnd type="none" w="med" len="med"/>
+                      <a:tailEnd type="none" w="med" len="med"/>
+                    </a:lnL>
+                    <a:lnR w="12700" cap="flat" cmpd="sng" algn="ctr">
+                      <a:solidFill>
+                        <a:schemeClr val="tx1"/>
+                      </a:solidFill>
+                      <a:prstDash val="solid"/>
+                      <a:round/>
+                      <a:headEnd type="none" w="med" len="med"/>
+                      <a:tailEnd type="none" w="med" len="med"/>
+                    </a:lnR>
+                    <a:lnT w="12700" cap="flat" cmpd="sng" algn="ctr">
+                      <a:solidFill>
+                        <a:schemeClr val="tx1"/>
+                      </a:solidFill>
+                      <a:prstDash val="solid"/>
+                      <a:round/>
+                      <a:headEnd type="none" w="med" len="med"/>
+                      <a:tailEnd type="none" w="med" len="med"/>
+                    </a:lnT>
+                    <a:lnB w="12700" cap="flat" cmpd="sng" algn="ctr">
+                      <a:solidFill>
+                        <a:schemeClr val="tx1"/>
+                      </a:solidFill>
+                      <a:prstDash val="solid"/>
+                      <a:round/>
+                      <a:headEnd type="none" w="med" len="med"/>
+                      <a:tailEnd type="none" w="med" len="med"/>
+                    </a:lnB>
+                    <a:lnTlToBr w="12700" cmpd="sng">
+                      <a:noFill/>
+                      <a:prstDash val="solid"/>
+                    </a:lnTlToBr>
+                    <a:lnBlToTr w="12700" cmpd="sng">
+                      <a:noFill/>
+                      <a:prstDash val="solid"/>
+                    </a:lnBlToTr>
+                    <a:solidFill>
+                      <a:schemeClr val="accent4">
+                        <a:lumMod val="20000"/>
+                        <a:lumOff val="80000"/>
+                      </a:schemeClr>
+                    </a:solidFill>
+                  </a:tcPr>
+                </a:tc>
+                <a:tc>
+                  <a:txBody>
+                    <a:bodyPr/>
+                    <a:lstStyle/>
+                    <a:p>
+                      <a:pPr>
+                        <a:buNone/>
+                      </a:pPr>
+                      <a:r>
+                        <a:rPr lang="en-US" sz="1600"/>
+                        <a:t>1. Cleans up expired short-term entries.2. Searches both memory stores for similar past dialogues.3. Displays similarity analysis and matching content.4. Merges both memory contexts.5. Sends combined prompt to OpenAI Chat Completion API.6. Returns response that aligns with both user query and memory context.</a:t>
+                      </a:r>
+                    </a:p>
+                  </a:txBody>
+                  <a:tcPr marL="21021" marR="21021" marT="10510" marB="10510" anchor="ctr">
+                    <a:lnL w="12700" cap="flat" cmpd="sng" algn="ctr">
+                      <a:solidFill>
+                        <a:schemeClr val="tx1"/>
+                      </a:solidFill>
+                      <a:prstDash val="solid"/>
+                      <a:round/>
+                      <a:headEnd type="none" w="med" len="med"/>
+                      <a:tailEnd type="none" w="med" len="med"/>
+                    </a:lnL>
+                    <a:lnR w="12700" cap="flat" cmpd="sng" algn="ctr">
+                      <a:solidFill>
+                        <a:schemeClr val="tx1"/>
+                      </a:solidFill>
+                      <a:prstDash val="solid"/>
+                      <a:round/>
+                      <a:headEnd type="none" w="med" len="med"/>
+                      <a:tailEnd type="none" w="med" len="med"/>
+                    </a:lnR>
+                    <a:lnT w="12700" cap="flat" cmpd="sng" algn="ctr">
+                      <a:solidFill>
+                        <a:schemeClr val="tx1"/>
+                      </a:solidFill>
+                      <a:prstDash val="solid"/>
+                      <a:round/>
+                      <a:headEnd type="none" w="med" len="med"/>
+                      <a:tailEnd type="none" w="med" len="med"/>
+                    </a:lnT>
+                    <a:lnB w="12700" cap="flat" cmpd="sng" algn="ctr">
+                      <a:solidFill>
+                        <a:schemeClr val="tx1"/>
+                      </a:solidFill>
+                      <a:prstDash val="solid"/>
+                      <a:round/>
+                      <a:headEnd type="none" w="med" len="med"/>
+                      <a:tailEnd type="none" w="med" len="med"/>
+                    </a:lnB>
+                    <a:lnTlToBr w="12700" cmpd="sng">
+                      <a:noFill/>
+                      <a:prstDash val="solid"/>
+                    </a:lnTlToBr>
+                    <a:lnBlToTr w="12700" cmpd="sng">
+                      <a:noFill/>
+                      <a:prstDash val="solid"/>
+                    </a:lnBlToTr>
+                    <a:solidFill>
+                      <a:schemeClr val="accent4">
+                        <a:lumMod val="20000"/>
+                        <a:lumOff val="80000"/>
+                      </a:schemeClr>
+                    </a:solidFill>
+                  </a:tcPr>
+                </a:tc>
+                <a:extLst>
+                  <a:ext uri="{0D108BD9-81ED-4DB2-BD59-A6C34878D82A}">
+                    <a16:rowId xmlns:a16="http://schemas.microsoft.com/office/drawing/2014/main" val="3641618082"/>
+                  </a:ext>
+                </a:extLst>
+              </a:tr>
+              <a:tr h="525524">
+                <a:tc>
+                  <a:txBody>
+                    <a:bodyPr/>
+                    <a:lstStyle/>
+                    <a:p>
+                      <a:pPr>
+                        <a:buNone/>
+                      </a:pPr>
+                      <a:r>
+                        <a:rPr lang="en-GB" sz="1600" b="1"/>
+                        <a:t>Memory Storage</a:t>
+                      </a:r>
+                      <a:endParaRPr lang="en-GB" sz="1600"/>
+                    </a:p>
+                  </a:txBody>
+                  <a:tcPr marL="21021" marR="21021" marT="10510" marB="10510" anchor="ctr">
+                    <a:lnL w="12700" cap="flat" cmpd="sng" algn="ctr">
+                      <a:solidFill>
+                        <a:schemeClr val="tx1"/>
+                      </a:solidFill>
+                      <a:prstDash val="solid"/>
+                      <a:round/>
+                      <a:headEnd type="none" w="med" len="med"/>
+                      <a:tailEnd type="none" w="med" len="med"/>
+                    </a:lnL>
+                    <a:lnR w="12700" cap="flat" cmpd="sng" algn="ctr">
+                      <a:solidFill>
+                        <a:schemeClr val="tx1"/>
+                      </a:solidFill>
+                      <a:prstDash val="solid"/>
+                      <a:round/>
+                      <a:headEnd type="none" w="med" len="med"/>
+                      <a:tailEnd type="none" w="med" len="med"/>
+                    </a:lnR>
+                    <a:lnT w="12700" cap="flat" cmpd="sng" algn="ctr">
+                      <a:solidFill>
+                        <a:schemeClr val="tx1"/>
+                      </a:solidFill>
+                      <a:prstDash val="solid"/>
+                      <a:round/>
+                      <a:headEnd type="none" w="med" len="med"/>
+                      <a:tailEnd type="none" w="med" len="med"/>
+                    </a:lnT>
+                    <a:lnB w="12700" cap="flat" cmpd="sng" algn="ctr">
+                      <a:solidFill>
+                        <a:schemeClr val="tx1"/>
+                      </a:solidFill>
+                      <a:prstDash val="solid"/>
+                      <a:round/>
+                      <a:headEnd type="none" w="med" len="med"/>
+                      <a:tailEnd type="none" w="med" len="med"/>
+                    </a:lnB>
+                    <a:lnTlToBr w="12700" cmpd="sng">
+                      <a:noFill/>
+                      <a:prstDash val="solid"/>
+                    </a:lnTlToBr>
+                    <a:lnBlToTr w="12700" cmpd="sng">
+                      <a:noFill/>
+                      <a:prstDash val="solid"/>
+                    </a:lnBlToTr>
+                    <a:solidFill>
+                      <a:schemeClr val="accent4">
+                        <a:lumMod val="20000"/>
+                        <a:lumOff val="80000"/>
+                      </a:schemeClr>
+                    </a:solidFill>
+                  </a:tcPr>
+                </a:tc>
+                <a:tc>
+                  <a:txBody>
+                    <a:bodyPr/>
+                    <a:lstStyle/>
+                    <a:p>
+                      <a:pPr>
+                        <a:buNone/>
+                      </a:pPr>
+                      <a:r>
+                        <a:rPr lang="en-US" sz="1600"/>
+                        <a:t>Determine what to retain and where</a:t>
+                      </a:r>
+                    </a:p>
+                  </a:txBody>
+                  <a:tcPr marL="21021" marR="21021" marT="10510" marB="10510" anchor="ctr">
+                    <a:lnL w="12700" cap="flat" cmpd="sng" algn="ctr">
+                      <a:solidFill>
+                        <a:schemeClr val="tx1"/>
+                      </a:solidFill>
+                      <a:prstDash val="solid"/>
+                      <a:round/>
+                      <a:headEnd type="none" w="med" len="med"/>
+                      <a:tailEnd type="none" w="med" len="med"/>
+                    </a:lnL>
+                    <a:lnR w="12700" cap="flat" cmpd="sng" algn="ctr">
+                      <a:solidFill>
+                        <a:schemeClr val="tx1"/>
+                      </a:solidFill>
+                      <a:prstDash val="solid"/>
+                      <a:round/>
+                      <a:headEnd type="none" w="med" len="med"/>
+                      <a:tailEnd type="none" w="med" len="med"/>
+                    </a:lnR>
+                    <a:lnT w="12700" cap="flat" cmpd="sng" algn="ctr">
+                      <a:solidFill>
+                        <a:schemeClr val="tx1"/>
+                      </a:solidFill>
+                      <a:prstDash val="solid"/>
+                      <a:round/>
+                      <a:headEnd type="none" w="med" len="med"/>
+                      <a:tailEnd type="none" w="med" len="med"/>
+                    </a:lnT>
+                    <a:lnB w="12700" cap="flat" cmpd="sng" algn="ctr">
+                      <a:solidFill>
+                        <a:schemeClr val="tx1"/>
+                      </a:solidFill>
+                      <a:prstDash val="solid"/>
+                      <a:round/>
+                      <a:headEnd type="none" w="med" len="med"/>
+                      <a:tailEnd type="none" w="med" len="med"/>
+                    </a:lnB>
+                    <a:lnTlToBr w="12700" cmpd="sng">
+                      <a:noFill/>
+                      <a:prstDash val="solid"/>
+                    </a:lnTlToBr>
+                    <a:lnBlToTr w="12700" cmpd="sng">
+                      <a:noFill/>
+                      <a:prstDash val="solid"/>
+                    </a:lnBlToTr>
+                    <a:solidFill>
+                      <a:schemeClr val="accent4">
+                        <a:lumMod val="20000"/>
+                        <a:lumOff val="80000"/>
+                      </a:schemeClr>
+                    </a:solidFill>
+                  </a:tcPr>
+                </a:tc>
+                <a:tc>
+                  <a:txBody>
+                    <a:bodyPr/>
+                    <a:lstStyle/>
+                    <a:p>
+                      <a:pPr>
+                        <a:buNone/>
+                      </a:pPr>
+                      <a:r>
+                        <a:rPr lang="en-US" sz="1600"/>
+                        <a:t>- Every new interaction is stored in short-term memory for context continuity.- Long-term memory receives the same record for ongoing learning.- Optionally, filters can be applied (e.g., only store entries containing "policy", "remember", or "important").</a:t>
+                      </a:r>
+                    </a:p>
+                  </a:txBody>
+                  <a:tcPr marL="21021" marR="21021" marT="10510" marB="10510" anchor="ctr">
+                    <a:lnL w="12700" cap="flat" cmpd="sng" algn="ctr">
+                      <a:solidFill>
+                        <a:schemeClr val="tx1"/>
+                      </a:solidFill>
+                      <a:prstDash val="solid"/>
+                      <a:round/>
+                      <a:headEnd type="none" w="med" len="med"/>
+                      <a:tailEnd type="none" w="med" len="med"/>
+                    </a:lnL>
+                    <a:lnR w="12700" cap="flat" cmpd="sng" algn="ctr">
+                      <a:solidFill>
+                        <a:schemeClr val="tx1"/>
+                      </a:solidFill>
+                      <a:prstDash val="solid"/>
+                      <a:round/>
+                      <a:headEnd type="none" w="med" len="med"/>
+                      <a:tailEnd type="none" w="med" len="med"/>
+                    </a:lnR>
+                    <a:lnT w="12700" cap="flat" cmpd="sng" algn="ctr">
+                      <a:solidFill>
+                        <a:schemeClr val="tx1"/>
+                      </a:solidFill>
+                      <a:prstDash val="solid"/>
+                      <a:round/>
+                      <a:headEnd type="none" w="med" len="med"/>
+                      <a:tailEnd type="none" w="med" len="med"/>
+                    </a:lnT>
+                    <a:lnB w="12700" cap="flat" cmpd="sng" algn="ctr">
+                      <a:solidFill>
+                        <a:schemeClr val="tx1"/>
+                      </a:solidFill>
+                      <a:prstDash val="solid"/>
+                      <a:round/>
+                      <a:headEnd type="none" w="med" len="med"/>
+                      <a:tailEnd type="none" w="med" len="med"/>
+                    </a:lnB>
+                    <a:lnTlToBr w="12700" cmpd="sng">
+                      <a:noFill/>
+                      <a:prstDash val="solid"/>
+                    </a:lnTlToBr>
+                    <a:lnBlToTr w="12700" cmpd="sng">
+                      <a:noFill/>
+                      <a:prstDash val="solid"/>
+                    </a:lnBlToTr>
+                    <a:solidFill>
+                      <a:schemeClr val="accent4">
+                        <a:lumMod val="20000"/>
+                        <a:lumOff val="80000"/>
+                      </a:schemeClr>
+                    </a:solidFill>
+                  </a:tcPr>
+                </a:tc>
+                <a:extLst>
+                  <a:ext uri="{0D108BD9-81ED-4DB2-BD59-A6C34878D82A}">
+                    <a16:rowId xmlns:a16="http://schemas.microsoft.com/office/drawing/2014/main" val="1146100236"/>
+                  </a:ext>
+                </a:extLst>
+              </a:tr>
+              <a:tr h="462461">
+                <a:tc>
+                  <a:txBody>
+                    <a:bodyPr/>
+                    <a:lstStyle/>
+                    <a:p>
+                      <a:pPr>
+                        <a:buNone/>
+                      </a:pPr>
+                      <a:r>
+                        <a:rPr lang="en-GB" sz="1600" b="1"/>
+                        <a:t>Similarity Scoring</a:t>
+                      </a:r>
+                      <a:endParaRPr lang="en-GB" sz="1600"/>
+                    </a:p>
+                  </a:txBody>
+                  <a:tcPr marL="21021" marR="21021" marT="10510" marB="10510" anchor="ctr">
+                    <a:lnL w="12700" cap="flat" cmpd="sng" algn="ctr">
+                      <a:solidFill>
+                        <a:schemeClr val="tx1"/>
+                      </a:solidFill>
+                      <a:prstDash val="solid"/>
+                      <a:round/>
+                      <a:headEnd type="none" w="med" len="med"/>
+                      <a:tailEnd type="none" w="med" len="med"/>
+                    </a:lnL>
+                    <a:lnR w="12700" cap="flat" cmpd="sng" algn="ctr">
+                      <a:solidFill>
+                        <a:schemeClr val="tx1"/>
+                      </a:solidFill>
+                      <a:prstDash val="solid"/>
+                      <a:round/>
+                      <a:headEnd type="none" w="med" len="med"/>
+                      <a:tailEnd type="none" w="med" len="med"/>
+                    </a:lnR>
+                    <a:lnT w="12700" cap="flat" cmpd="sng" algn="ctr">
+                      <a:solidFill>
+                        <a:schemeClr val="tx1"/>
+                      </a:solidFill>
+                      <a:prstDash val="solid"/>
+                      <a:round/>
+                      <a:headEnd type="none" w="med" len="med"/>
+                      <a:tailEnd type="none" w="med" len="med"/>
+                    </a:lnT>
+                    <a:lnB w="12700" cap="flat" cmpd="sng" algn="ctr">
+                      <a:solidFill>
+                        <a:schemeClr val="tx1"/>
+                      </a:solidFill>
+                      <a:prstDash val="solid"/>
+                      <a:round/>
+                      <a:headEnd type="none" w="med" len="med"/>
+                      <a:tailEnd type="none" w="med" len="med"/>
+                    </a:lnB>
+                    <a:lnTlToBr w="12700" cmpd="sng">
+                      <a:noFill/>
+                      <a:prstDash val="solid"/>
+                    </a:lnTlToBr>
+                    <a:lnBlToTr w="12700" cmpd="sng">
+                      <a:noFill/>
+                      <a:prstDash val="solid"/>
+                    </a:lnBlToTr>
+                    <a:solidFill>
+                      <a:schemeClr val="accent4">
+                        <a:lumMod val="20000"/>
+                        <a:lumOff val="80000"/>
+                      </a:schemeClr>
+                    </a:solidFill>
+                  </a:tcPr>
+                </a:tc>
+                <a:tc>
+                  <a:txBody>
+                    <a:bodyPr/>
+                    <a:lstStyle/>
+                    <a:p>
+                      <a:pPr>
+                        <a:buNone/>
+                      </a:pPr>
+                      <a:r>
+                        <a:rPr lang="en-US" sz="1600"/>
+                        <a:t>Quantify how close stored memory is to current input</a:t>
+                      </a:r>
+                    </a:p>
+                  </a:txBody>
+                  <a:tcPr marL="21021" marR="21021" marT="10510" marB="10510" anchor="ctr">
+                    <a:lnL w="12700" cap="flat" cmpd="sng" algn="ctr">
+                      <a:solidFill>
+                        <a:schemeClr val="tx1"/>
+                      </a:solidFill>
+                      <a:prstDash val="solid"/>
+                      <a:round/>
+                      <a:headEnd type="none" w="med" len="med"/>
+                      <a:tailEnd type="none" w="med" len="med"/>
+                    </a:lnL>
+                    <a:lnR w="12700" cap="flat" cmpd="sng" algn="ctr">
+                      <a:solidFill>
+                        <a:schemeClr val="tx1"/>
+                      </a:solidFill>
+                      <a:prstDash val="solid"/>
+                      <a:round/>
+                      <a:headEnd type="none" w="med" len="med"/>
+                      <a:tailEnd type="none" w="med" len="med"/>
+                    </a:lnR>
+                    <a:lnT w="12700" cap="flat" cmpd="sng" algn="ctr">
+                      <a:solidFill>
+                        <a:schemeClr val="tx1"/>
+                      </a:solidFill>
+                      <a:prstDash val="solid"/>
+                      <a:round/>
+                      <a:headEnd type="none" w="med" len="med"/>
+                      <a:tailEnd type="none" w="med" len="med"/>
+                    </a:lnT>
+                    <a:lnB w="12700" cap="flat" cmpd="sng" algn="ctr">
+                      <a:solidFill>
+                        <a:schemeClr val="tx1"/>
+                      </a:solidFill>
+                      <a:prstDash val="solid"/>
+                      <a:round/>
+                      <a:headEnd type="none" w="med" len="med"/>
+                      <a:tailEnd type="none" w="med" len="med"/>
+                    </a:lnB>
+                    <a:lnTlToBr w="12700" cmpd="sng">
+                      <a:noFill/>
+                      <a:prstDash val="solid"/>
+                    </a:lnTlToBr>
+                    <a:lnBlToTr w="12700" cmpd="sng">
+                      <a:noFill/>
+                      <a:prstDash val="solid"/>
+                    </a:lnBlToTr>
+                    <a:solidFill>
+                      <a:schemeClr val="accent4">
+                        <a:lumMod val="20000"/>
+                        <a:lumOff val="80000"/>
+                      </a:schemeClr>
+                    </a:solidFill>
+                  </a:tcPr>
+                </a:tc>
+                <a:tc>
+                  <a:txBody>
+                    <a:bodyPr/>
+                    <a:lstStyle/>
+                    <a:p>
+                      <a:pPr>
+                        <a:buNone/>
+                      </a:pPr>
+                      <a:r>
+                        <a:rPr lang="en-US" sz="1600" dirty="0"/>
+                        <a:t>- Chroma returns distance scores; smaller distance = more similarity.- Approximate similarity percentage derived as </a:t>
+                      </a:r>
+                      <a:r>
+                        <a:rPr lang="en-US" sz="1600" dirty="0">
+                          <a:latin typeface="Courier New" panose="02070309020205020404" pitchFamily="49" charset="0"/>
+                        </a:rPr>
+                        <a:t>(1 - distance) × 100</a:t>
+                      </a:r>
+                      <a:r>
+                        <a:rPr lang="en-US" sz="1600" dirty="0"/>
+                        <a:t>.- 100% = perfect contextual match, 0% = no match.- Printed in memory retrieval analysis output.</a:t>
+                      </a:r>
+                    </a:p>
+                  </a:txBody>
+                  <a:tcPr marL="21021" marR="21021" marT="10510" marB="10510" anchor="ctr">
+                    <a:lnL w="12700" cap="flat" cmpd="sng" algn="ctr">
+                      <a:solidFill>
+                        <a:schemeClr val="tx1"/>
+                      </a:solidFill>
+                      <a:prstDash val="solid"/>
+                      <a:round/>
+                      <a:headEnd type="none" w="med" len="med"/>
+                      <a:tailEnd type="none" w="med" len="med"/>
+                    </a:lnL>
+                    <a:lnR w="12700" cap="flat" cmpd="sng" algn="ctr">
+                      <a:solidFill>
+                        <a:schemeClr val="tx1"/>
+                      </a:solidFill>
+                      <a:prstDash val="solid"/>
+                      <a:round/>
+                      <a:headEnd type="none" w="med" len="med"/>
+                      <a:tailEnd type="none" w="med" len="med"/>
+                    </a:lnR>
+                    <a:lnT w="12700" cap="flat" cmpd="sng" algn="ctr">
+                      <a:solidFill>
+                        <a:schemeClr val="tx1"/>
+                      </a:solidFill>
+                      <a:prstDash val="solid"/>
+                      <a:round/>
+                      <a:headEnd type="none" w="med" len="med"/>
+                      <a:tailEnd type="none" w="med" len="med"/>
+                    </a:lnT>
+                    <a:lnB w="12700" cap="flat" cmpd="sng" algn="ctr">
+                      <a:solidFill>
+                        <a:schemeClr val="tx1"/>
+                      </a:solidFill>
+                      <a:prstDash val="solid"/>
+                      <a:round/>
+                      <a:headEnd type="none" w="med" len="med"/>
+                      <a:tailEnd type="none" w="med" len="med"/>
+                    </a:lnB>
+                    <a:lnTlToBr w="12700" cmpd="sng">
+                      <a:noFill/>
+                      <a:prstDash val="solid"/>
+                    </a:lnTlToBr>
+                    <a:lnBlToTr w="12700" cmpd="sng">
+                      <a:noFill/>
+                      <a:prstDash val="solid"/>
+                    </a:lnBlToTr>
+                    <a:solidFill>
+                      <a:schemeClr val="accent4">
+                        <a:lumMod val="20000"/>
+                        <a:lumOff val="80000"/>
+                      </a:schemeClr>
+                    </a:solidFill>
+                  </a:tcPr>
+                </a:tc>
+                <a:extLst>
+                  <a:ext uri="{0D108BD9-81ED-4DB2-BD59-A6C34878D82A}">
+                    <a16:rowId xmlns:a16="http://schemas.microsoft.com/office/drawing/2014/main" val="4099597016"/>
+                  </a:ext>
+                </a:extLst>
+              </a:tr>
+            </a:tbl>
+          </a:graphicData>
+        </a:graphic>
+      </p:graphicFrame>
+      <p:sp>
+        <p:nvSpPr>
+          <p:cNvPr id="5" name="Title 4">
+            <a:extLst>
+              <a:ext uri="{FF2B5EF4-FFF2-40B4-BE49-F238E27FC236}">
+                <a16:creationId xmlns:a16="http://schemas.microsoft.com/office/drawing/2014/main" id="{E76378A8-25E0-3629-A937-28225CCCB150}"/>
+              </a:ext>
+            </a:extLst>
+          </p:cNvPr>
+          <p:cNvSpPr>
+            <a:spLocks noGrp="1"/>
+          </p:cNvSpPr>
+          <p:nvPr>
+            <p:ph type="title"/>
+          </p:nvPr>
+        </p:nvSpPr>
+        <p:spPr/>
+        <p:txBody>
+          <a:bodyPr/>
+          <a:lstStyle/>
+          <a:p>
+            <a:endParaRPr lang="en-GB"/>
+          </a:p>
+        </p:txBody>
+      </p:sp>
+    </p:spTree>
+    <p:extLst>
+      <p:ext uri="{BB962C8B-B14F-4D97-AF65-F5344CB8AC3E}">
+        <p14:creationId xmlns:p14="http://schemas.microsoft.com/office/powerpoint/2010/main" val="382226953"/>
+      </p:ext>
+    </p:extLst>
+  </p:cSld>
+  <p:clrMapOvr>
+    <a:masterClrMapping/>
+  </p:clrMapOvr>
+</p:sld>
+</file>
+
+<file path=ppt/slides/slide25.xml><?xml version="1.0" encoding="utf-8"?>
 <p:sld xmlns:a="http://schemas.openxmlformats.org/drawingml/2006/main" xmlns:r="http://schemas.openxmlformats.org/officeDocument/2006/relationships" xmlns:p="http://schemas.openxmlformats.org/presentationml/2006/main">
   <p:cSld>
     <p:spTree>
@@ -18970,7 +20984,11 @@
           <a:p>
             <a:r>
               <a:rPr lang="en-IN" dirty="0"/>
-              <a:t>Handoffs</a:t>
+              <a:t>Handoffs (</a:t>
+            </a:r>
+            <a:r>
+              <a:rPr lang="en-US" dirty="0"/>
+              <a:t>2_11_openai_agent_handoff.py)</a:t>
             </a:r>
             <a:endParaRPr lang="en-GB" dirty="0"/>
           </a:p>
@@ -20795,520 +22813,6 @@
     <p:extLst>
       <p:ext uri="{BB962C8B-B14F-4D97-AF65-F5344CB8AC3E}">
         <p14:creationId xmlns:p14="http://schemas.microsoft.com/office/powerpoint/2010/main" val="3044796824"/>
-      </p:ext>
-    </p:extLst>
-  </p:cSld>
-  <p:clrMapOvr>
-    <a:masterClrMapping/>
-  </p:clrMapOvr>
-</p:sld>
-</file>
-
-<file path=ppt/slides/slide25.xml><?xml version="1.0" encoding="utf-8"?>
-<p:sld xmlns:a="http://schemas.openxmlformats.org/drawingml/2006/main" xmlns:r="http://schemas.openxmlformats.org/officeDocument/2006/relationships" xmlns:p="http://schemas.openxmlformats.org/presentationml/2006/main">
-  <p:cSld>
-    <p:spTree>
-      <p:nvGrpSpPr>
-        <p:cNvPr id="1" name=""/>
-        <p:cNvGrpSpPr/>
-        <p:nvPr/>
-      </p:nvGrpSpPr>
-      <p:grpSpPr>
-        <a:xfrm>
-          <a:off x="0" y="0"/>
-          <a:ext cx="0" cy="0"/>
-          <a:chOff x="0" y="0"/>
-          <a:chExt cx="0" cy="0"/>
-        </a:xfrm>
-      </p:grpSpPr>
-      <p:sp>
-        <p:nvSpPr>
-          <p:cNvPr id="2" name="Title 1">
-            <a:extLst>
-              <a:ext uri="{FF2B5EF4-FFF2-40B4-BE49-F238E27FC236}">
-                <a16:creationId xmlns:a16="http://schemas.microsoft.com/office/drawing/2014/main" id="{A70B65D0-0B74-B531-4FE9-2BEBF902C897}"/>
-              </a:ext>
-            </a:extLst>
-          </p:cNvPr>
-          <p:cNvSpPr>
-            <a:spLocks noGrp="1"/>
-          </p:cNvSpPr>
-          <p:nvPr>
-            <p:ph type="title"/>
-          </p:nvPr>
-        </p:nvSpPr>
-        <p:spPr/>
-        <p:txBody>
-          <a:bodyPr/>
-          <a:lstStyle/>
-          <a:p>
-            <a:r>
-              <a:rPr lang="en-IN" dirty="0"/>
-              <a:t>Simple Handoffs Example</a:t>
-            </a:r>
-            <a:endParaRPr lang="en-GB" dirty="0"/>
-          </a:p>
-        </p:txBody>
-      </p:sp>
-      <p:sp>
-        <p:nvSpPr>
-          <p:cNvPr id="3" name="Content Placeholder 2">
-            <a:extLst>
-              <a:ext uri="{FF2B5EF4-FFF2-40B4-BE49-F238E27FC236}">
-                <a16:creationId xmlns:a16="http://schemas.microsoft.com/office/drawing/2014/main" id="{49207B86-2360-2295-A889-A8C5ED207171}"/>
-              </a:ext>
-            </a:extLst>
-          </p:cNvPr>
-          <p:cNvSpPr>
-            <a:spLocks noGrp="1"/>
-          </p:cNvSpPr>
-          <p:nvPr>
-            <p:ph idx="1"/>
-          </p:nvPr>
-        </p:nvSpPr>
-        <p:spPr/>
-        <p:txBody>
-          <a:bodyPr/>
-          <a:lstStyle/>
-          <a:p>
-            <a:r>
-              <a:rPr lang="en-US" dirty="0"/>
-              <a:t>from agents import Agent, handoff</a:t>
-            </a:r>
-          </a:p>
-          <a:p>
-            <a:endParaRPr lang="en-US" dirty="0"/>
-          </a:p>
-          <a:p>
-            <a:r>
-              <a:rPr lang="en-US" dirty="0" err="1"/>
-              <a:t>billing_agent</a:t>
-            </a:r>
-            <a:r>
-              <a:rPr lang="en-US" dirty="0"/>
-              <a:t> = Agent(name="Billing agent")</a:t>
-            </a:r>
-          </a:p>
-          <a:p>
-            <a:r>
-              <a:rPr lang="en-US" dirty="0" err="1"/>
-              <a:t>refund_agent</a:t>
-            </a:r>
-            <a:r>
-              <a:rPr lang="en-US" dirty="0"/>
-              <a:t> = Agent(name="Refund agent")</a:t>
-            </a:r>
-          </a:p>
-          <a:p>
-            <a:endParaRPr lang="en-US" dirty="0"/>
-          </a:p>
-          <a:p>
-            <a:r>
-              <a:rPr lang="en-US" dirty="0" err="1"/>
-              <a:t>triage_agent</a:t>
-            </a:r>
-            <a:r>
-              <a:rPr lang="en-US" dirty="0"/>
-              <a:t> = Agent(name="Triage agent", handoffs=[</a:t>
-            </a:r>
-            <a:r>
-              <a:rPr lang="en-US" dirty="0" err="1"/>
-              <a:t>billing_agent</a:t>
-            </a:r>
-            <a:r>
-              <a:rPr lang="en-US" dirty="0"/>
-              <a:t>, handoff(</a:t>
-            </a:r>
-            <a:r>
-              <a:rPr lang="en-US" dirty="0" err="1"/>
-              <a:t>refund_agent</a:t>
-            </a:r>
-            <a:r>
-              <a:rPr lang="en-US" dirty="0"/>
-              <a:t>)])</a:t>
-            </a:r>
-            <a:endParaRPr lang="en-GB" dirty="0"/>
-          </a:p>
-        </p:txBody>
-      </p:sp>
-    </p:spTree>
-    <p:extLst>
-      <p:ext uri="{BB962C8B-B14F-4D97-AF65-F5344CB8AC3E}">
-        <p14:creationId xmlns:p14="http://schemas.microsoft.com/office/powerpoint/2010/main" val="907166997"/>
-      </p:ext>
-    </p:extLst>
-  </p:cSld>
-  <p:clrMapOvr>
-    <a:masterClrMapping/>
-  </p:clrMapOvr>
-</p:sld>
-</file>
-
-<file path=ppt/slides/slide26.xml><?xml version="1.0" encoding="utf-8"?>
-<p:sld xmlns:a="http://schemas.openxmlformats.org/drawingml/2006/main" xmlns:r="http://schemas.openxmlformats.org/officeDocument/2006/relationships" xmlns:p="http://schemas.openxmlformats.org/presentationml/2006/main">
-  <p:cSld>
-    <p:spTree>
-      <p:nvGrpSpPr>
-        <p:cNvPr id="1" name=""/>
-        <p:cNvGrpSpPr/>
-        <p:nvPr/>
-      </p:nvGrpSpPr>
-      <p:grpSpPr>
-        <a:xfrm>
-          <a:off x="0" y="0"/>
-          <a:ext cx="0" cy="0"/>
-          <a:chOff x="0" y="0"/>
-          <a:chExt cx="0" cy="0"/>
-        </a:xfrm>
-      </p:grpSpPr>
-      <p:sp>
-        <p:nvSpPr>
-          <p:cNvPr id="2" name="Title 1">
-            <a:extLst>
-              <a:ext uri="{FF2B5EF4-FFF2-40B4-BE49-F238E27FC236}">
-                <a16:creationId xmlns:a16="http://schemas.microsoft.com/office/drawing/2014/main" id="{2F7DE3E2-60ED-D112-1C41-4C4EA337B878}"/>
-              </a:ext>
-            </a:extLst>
-          </p:cNvPr>
-          <p:cNvSpPr>
-            <a:spLocks noGrp="1"/>
-          </p:cNvSpPr>
-          <p:nvPr>
-            <p:ph type="title"/>
-          </p:nvPr>
-        </p:nvSpPr>
-        <p:spPr/>
-        <p:txBody>
-          <a:bodyPr>
-            <a:noAutofit/>
-          </a:bodyPr>
-          <a:lstStyle/>
-          <a:p>
-            <a:r>
-              <a:rPr lang="en-IN" sz="3200" dirty="0"/>
-              <a:t>Handoff Example – First Vectorize Customer Service Data (Run this code: </a:t>
-            </a:r>
-            <a:r>
-              <a:rPr lang="en-US" sz="3200" dirty="0"/>
-              <a:t>2_openai_agent_customer_embeddings_creation.py)</a:t>
-            </a:r>
-            <a:endParaRPr lang="en-GB" sz="3200" dirty="0"/>
-          </a:p>
-        </p:txBody>
-      </p:sp>
-      <p:sp>
-        <p:nvSpPr>
-          <p:cNvPr id="3" name="Content Placeholder 2">
-            <a:extLst>
-              <a:ext uri="{FF2B5EF4-FFF2-40B4-BE49-F238E27FC236}">
-                <a16:creationId xmlns:a16="http://schemas.microsoft.com/office/drawing/2014/main" id="{B2A53AA6-9279-8B88-127A-82533EDED52D}"/>
-              </a:ext>
-            </a:extLst>
-          </p:cNvPr>
-          <p:cNvSpPr>
-            <a:spLocks noGrp="1"/>
-          </p:cNvSpPr>
-          <p:nvPr>
-            <p:ph idx="1"/>
-          </p:nvPr>
-        </p:nvSpPr>
-        <p:spPr/>
-        <p:txBody>
-          <a:bodyPr>
-            <a:normAutofit fontScale="62500" lnSpcReduction="20000"/>
-          </a:bodyPr>
-          <a:lstStyle/>
-          <a:p>
-            <a:r>
-              <a:rPr lang="en-IN" dirty="0"/>
-              <a:t>Dataset link: </a:t>
-            </a:r>
-            <a:r>
-              <a:rPr lang="en-IN" dirty="0">
-                <a:hlinkClick r:id="rId2"/>
-              </a:rPr>
-              <a:t>https://www.kaggle.com/datasets/bitext/training-dataset-for-chatbotsvirtual-assistants</a:t>
-            </a:r>
-            <a:endParaRPr lang="en-IN" dirty="0"/>
-          </a:p>
-          <a:p>
-            <a:r>
-              <a:rPr lang="en-IN" dirty="0"/>
-              <a:t>Within this, dataset 20000-Utterances-Training-dataset-for-chatbots-virtual-assistant-Bitext-sample.csv</a:t>
-            </a:r>
-          </a:p>
-          <a:p>
-            <a:r>
-              <a:rPr lang="en-IN" dirty="0"/>
-              <a:t>Create embeddings using Hugging Face Sentence Transformer (</a:t>
-            </a:r>
-          </a:p>
-          <a:p>
-            <a:pPr marL="0" indent="0">
-              <a:buNone/>
-            </a:pPr>
-            <a:endParaRPr lang="en-US" sz="2300" dirty="0">
-              <a:latin typeface="Cascadia Code" panose="020B0609020000020004" pitchFamily="49" charset="0"/>
-              <a:cs typeface="Cascadia Code" panose="020B0609020000020004" pitchFamily="49" charset="0"/>
-            </a:endParaRPr>
-          </a:p>
-          <a:p>
-            <a:pPr marL="0" indent="0">
-              <a:buNone/>
-            </a:pPr>
-            <a:r>
-              <a:rPr lang="en-US" sz="2300" dirty="0" err="1">
-                <a:solidFill>
-                  <a:srgbClr val="FF0000"/>
-                </a:solidFill>
-                <a:latin typeface="Cascadia Code" panose="020B0609020000020004" pitchFamily="49" charset="0"/>
-                <a:cs typeface="Cascadia Code" panose="020B0609020000020004" pitchFamily="49" charset="0"/>
-              </a:rPr>
-              <a:t>utterance_embeddings</a:t>
-            </a:r>
-            <a:r>
-              <a:rPr lang="en-US" sz="2300" dirty="0">
-                <a:solidFill>
-                  <a:srgbClr val="FF0000"/>
-                </a:solidFill>
-                <a:latin typeface="Cascadia Code" panose="020B0609020000020004" pitchFamily="49" charset="0"/>
-                <a:cs typeface="Cascadia Code" panose="020B0609020000020004" pitchFamily="49" charset="0"/>
-              </a:rPr>
-              <a:t> = </a:t>
-            </a:r>
-            <a:r>
-              <a:rPr lang="en-US" sz="2300" dirty="0" err="1">
-                <a:solidFill>
-                  <a:srgbClr val="FF0000"/>
-                </a:solidFill>
-                <a:latin typeface="Cascadia Code" panose="020B0609020000020004" pitchFamily="49" charset="0"/>
-                <a:cs typeface="Cascadia Code" panose="020B0609020000020004" pitchFamily="49" charset="0"/>
-              </a:rPr>
-              <a:t>model.encode</a:t>
-            </a:r>
-            <a:r>
-              <a:rPr lang="en-US" sz="2300" dirty="0">
-                <a:solidFill>
-                  <a:srgbClr val="FF0000"/>
-                </a:solidFill>
-                <a:latin typeface="Cascadia Code" panose="020B0609020000020004" pitchFamily="49" charset="0"/>
-                <a:cs typeface="Cascadia Code" panose="020B0609020000020004" pitchFamily="49" charset="0"/>
-              </a:rPr>
-              <a:t>( # Tokenize each sentence into words</a:t>
-            </a:r>
-          </a:p>
-          <a:p>
-            <a:pPr marL="0" indent="0">
-              <a:buNone/>
-            </a:pPr>
-            <a:r>
-              <a:rPr lang="en-US" sz="2300" dirty="0">
-                <a:solidFill>
-                  <a:srgbClr val="FF0000"/>
-                </a:solidFill>
-                <a:latin typeface="Cascadia Code" panose="020B0609020000020004" pitchFamily="49" charset="0"/>
-                <a:cs typeface="Cascadia Code" panose="020B0609020000020004" pitchFamily="49" charset="0"/>
-              </a:rPr>
-              <a:t>        utterances, # List of strings to embed (after tokenization above)</a:t>
-            </a:r>
-          </a:p>
-          <a:p>
-            <a:pPr marL="0" indent="0">
-              <a:buNone/>
-            </a:pPr>
-            <a:r>
-              <a:rPr lang="en-US" sz="2300" dirty="0">
-                <a:solidFill>
-                  <a:srgbClr val="FF0000"/>
-                </a:solidFill>
-                <a:latin typeface="Cascadia Code" panose="020B0609020000020004" pitchFamily="49" charset="0"/>
-                <a:cs typeface="Cascadia Code" panose="020B0609020000020004" pitchFamily="49" charset="0"/>
-              </a:rPr>
-              <a:t>        </a:t>
-            </a:r>
-            <a:r>
-              <a:rPr lang="en-US" sz="2300" dirty="0" err="1">
-                <a:solidFill>
-                  <a:srgbClr val="FF0000"/>
-                </a:solidFill>
-                <a:latin typeface="Cascadia Code" panose="020B0609020000020004" pitchFamily="49" charset="0"/>
-                <a:cs typeface="Cascadia Code" panose="020B0609020000020004" pitchFamily="49" charset="0"/>
-              </a:rPr>
-              <a:t>convert_to_numpy</a:t>
-            </a:r>
-            <a:r>
-              <a:rPr lang="en-US" sz="2300" dirty="0">
-                <a:solidFill>
-                  <a:srgbClr val="FF0000"/>
-                </a:solidFill>
-                <a:latin typeface="Cascadia Code" panose="020B0609020000020004" pitchFamily="49" charset="0"/>
-                <a:cs typeface="Cascadia Code" panose="020B0609020000020004" pitchFamily="49" charset="0"/>
-              </a:rPr>
-              <a:t>=True, # Return embeddings as a </a:t>
-            </a:r>
-            <a:r>
-              <a:rPr lang="en-US" sz="2300" dirty="0" err="1">
-                <a:solidFill>
-                  <a:srgbClr val="FF0000"/>
-                </a:solidFill>
-                <a:latin typeface="Cascadia Code" panose="020B0609020000020004" pitchFamily="49" charset="0"/>
-                <a:cs typeface="Cascadia Code" panose="020B0609020000020004" pitchFamily="49" charset="0"/>
-              </a:rPr>
-              <a:t>numpy</a:t>
-            </a:r>
-            <a:r>
-              <a:rPr lang="en-US" sz="2300" dirty="0">
-                <a:solidFill>
-                  <a:srgbClr val="FF0000"/>
-                </a:solidFill>
-                <a:latin typeface="Cascadia Code" panose="020B0609020000020004" pitchFamily="49" charset="0"/>
-                <a:cs typeface="Cascadia Code" panose="020B0609020000020004" pitchFamily="49" charset="0"/>
-              </a:rPr>
-              <a:t> array instead of </a:t>
-            </a:r>
-            <a:r>
-              <a:rPr lang="en-US" sz="2300" dirty="0" err="1">
-                <a:solidFill>
-                  <a:srgbClr val="FF0000"/>
-                </a:solidFill>
-                <a:latin typeface="Cascadia Code" panose="020B0609020000020004" pitchFamily="49" charset="0"/>
-                <a:cs typeface="Cascadia Code" panose="020B0609020000020004" pitchFamily="49" charset="0"/>
-              </a:rPr>
-              <a:t>PyTorch</a:t>
-            </a:r>
-            <a:r>
-              <a:rPr lang="en-US" sz="2300" dirty="0">
-                <a:solidFill>
-                  <a:srgbClr val="FF0000"/>
-                </a:solidFill>
-                <a:latin typeface="Cascadia Code" panose="020B0609020000020004" pitchFamily="49" charset="0"/>
-                <a:cs typeface="Cascadia Code" panose="020B0609020000020004" pitchFamily="49" charset="0"/>
-              </a:rPr>
-              <a:t> tensor to make it faster</a:t>
-            </a:r>
-          </a:p>
-          <a:p>
-            <a:pPr marL="0" indent="0">
-              <a:buNone/>
-            </a:pPr>
-            <a:r>
-              <a:rPr lang="en-US" sz="2300" dirty="0">
-                <a:solidFill>
-                  <a:srgbClr val="FF0000"/>
-                </a:solidFill>
-                <a:latin typeface="Cascadia Code" panose="020B0609020000020004" pitchFamily="49" charset="0"/>
-                <a:cs typeface="Cascadia Code" panose="020B0609020000020004" pitchFamily="49" charset="0"/>
-              </a:rPr>
-              <a:t>        </a:t>
-            </a:r>
-            <a:r>
-              <a:rPr lang="en-US" sz="2300" dirty="0" err="1">
-                <a:solidFill>
-                  <a:srgbClr val="FF0000"/>
-                </a:solidFill>
-                <a:latin typeface="Cascadia Code" panose="020B0609020000020004" pitchFamily="49" charset="0"/>
-                <a:cs typeface="Cascadia Code" panose="020B0609020000020004" pitchFamily="49" charset="0"/>
-              </a:rPr>
-              <a:t>show_progress_bar</a:t>
-            </a:r>
-            <a:r>
-              <a:rPr lang="en-US" sz="2300" dirty="0">
-                <a:solidFill>
-                  <a:srgbClr val="FF0000"/>
-                </a:solidFill>
-                <a:latin typeface="Cascadia Code" panose="020B0609020000020004" pitchFamily="49" charset="0"/>
-                <a:cs typeface="Cascadia Code" panose="020B0609020000020004" pitchFamily="49" charset="0"/>
-              </a:rPr>
-              <a:t>=True # Display progress bar when doing the above</a:t>
-            </a:r>
-          </a:p>
-          <a:p>
-            <a:pPr marL="0" indent="0">
-              <a:buNone/>
-            </a:pPr>
-            <a:r>
-              <a:rPr lang="en-US" sz="2300" dirty="0">
-                <a:solidFill>
-                  <a:srgbClr val="FF0000"/>
-                </a:solidFill>
-                <a:latin typeface="Cascadia Code" panose="020B0609020000020004" pitchFamily="49" charset="0"/>
-                <a:cs typeface="Cascadia Code" panose="020B0609020000020004" pitchFamily="49" charset="0"/>
-              </a:rPr>
-              <a:t>    )</a:t>
-            </a:r>
-            <a:endParaRPr lang="en-US" dirty="0">
-              <a:solidFill>
-                <a:srgbClr val="FF0000"/>
-              </a:solidFill>
-              <a:latin typeface="Cascadia Code" panose="020B0609020000020004" pitchFamily="49" charset="0"/>
-              <a:cs typeface="Cascadia Code" panose="020B0609020000020004" pitchFamily="49" charset="0"/>
-            </a:endParaRPr>
-          </a:p>
-          <a:p>
-            <a:pPr marL="0" indent="0">
-              <a:buNone/>
-            </a:pPr>
-            <a:endParaRPr lang="en-US" dirty="0"/>
-          </a:p>
-          <a:p>
-            <a:r>
-              <a:rPr lang="en-US" dirty="0"/>
-              <a:t>Result: Each sentence will produce an embedding of 384 dimensions, so </a:t>
-            </a:r>
-            <a:r>
-              <a:rPr lang="en-US" dirty="0" err="1"/>
-              <a:t>utterance_embeddings</a:t>
-            </a:r>
-            <a:r>
-              <a:rPr lang="en-US" dirty="0"/>
-              <a:t> will be a </a:t>
-            </a:r>
-            <a:r>
-              <a:rPr lang="en-US" dirty="0" err="1"/>
-              <a:t>numpy</a:t>
-            </a:r>
-            <a:r>
-              <a:rPr lang="en-US" dirty="0"/>
-              <a:t> array of size 21,534 (Number of records) x 384</a:t>
-            </a:r>
-          </a:p>
-          <a:p>
-            <a:r>
-              <a:rPr lang="en-US" dirty="0"/>
-              <a:t>Files: .</a:t>
-            </a:r>
-            <a:r>
-              <a:rPr lang="en-US" dirty="0" err="1"/>
-              <a:t>npy</a:t>
-            </a:r>
-            <a:r>
-              <a:rPr lang="en-US" dirty="0"/>
-              <a:t> stores the embeddings, .</a:t>
-            </a:r>
-            <a:r>
-              <a:rPr lang="en-US" dirty="0" err="1"/>
-              <a:t>pkl</a:t>
-            </a:r>
-            <a:r>
-              <a:rPr lang="en-US" dirty="0"/>
-              <a:t> file contains the original data as dictionary: utterance -&gt; intent-&gt;categories (e.g. “I want a refund” -&gt; “</a:t>
-            </a:r>
-            <a:r>
-              <a:rPr lang="en-US" dirty="0" err="1"/>
-              <a:t>get_refund</a:t>
-            </a:r>
-            <a:r>
-              <a:rPr lang="en-US" dirty="0"/>
-              <a:t>” -&gt; “REFUNDS”)</a:t>
-            </a:r>
-            <a:endParaRPr lang="en-IN" dirty="0"/>
-          </a:p>
-        </p:txBody>
-      </p:sp>
-    </p:spTree>
-    <p:extLst>
-      <p:ext uri="{BB962C8B-B14F-4D97-AF65-F5344CB8AC3E}">
-        <p14:creationId xmlns:p14="http://schemas.microsoft.com/office/powerpoint/2010/main" val="825766007"/>
       </p:ext>
     </p:extLst>
   </p:cSld>
